--- a/res/ppt/template.pptx
+++ b/res/ppt/template.pptx
@@ -5,10 +5,11 @@
     <p:sldMasterId id="2147483648" r:id="rId1"/>
   </p:sldMasterIdLst>
   <p:notesMasterIdLst>
-    <p:notesMasterId r:id="rId3"/>
+    <p:notesMasterId r:id="rId4"/>
   </p:notesMasterIdLst>
   <p:sldIdLst>
     <p:sldId id="256" r:id="rId2"/>
+    <p:sldId id="257" r:id="rId3"/>
   </p:sldIdLst>
   <p:sldSz cx="12192000" cy="6858000"/>
   <p:notesSz cx="6858000" cy="9144000"/>
@@ -176,7 +177,7 @@
           <p:cNvPr id="2" name="页眉占位符 1">
             <a:extLst>
               <a:ext uri="{FF2B5EF4-FFF2-40B4-BE49-F238E27FC236}">
-                <a16:creationId xmlns="" xmlns:a16="http://schemas.microsoft.com/office/drawing/2014/main" id="{130C9DA0-FAA0-45FC-8C58-96F870DFE9F4}"/>
+                <a16:creationId xmlns:a16="http://schemas.microsoft.com/office/drawing/2014/main" xmlns="" id="{130C9DA0-FAA0-45FC-8C58-96F870DFE9F4}"/>
               </a:ext>
             </a:extLst>
           </p:cNvPr>
@@ -218,7 +219,7 @@
           <p:cNvPr id="3" name="日期占位符 2">
             <a:extLst>
               <a:ext uri="{FF2B5EF4-FFF2-40B4-BE49-F238E27FC236}">
-                <a16:creationId xmlns="" xmlns:a16="http://schemas.microsoft.com/office/drawing/2014/main" id="{52C82BBD-9598-4E4A-B1B8-0C305D377AF7}"/>
+                <a16:creationId xmlns:a16="http://schemas.microsoft.com/office/drawing/2014/main" xmlns="" id="{52C82BBD-9598-4E4A-B1B8-0C305D377AF7}"/>
               </a:ext>
             </a:extLst>
           </p:cNvPr>
@@ -259,7 +260,7 @@
               <a:pPr>
                 <a:defRPr/>
               </a:pPr>
-              <a:t>2021/1/18</a:t>
+              <a:t>2021/1/19</a:t>
             </a:fld>
             <a:endParaRPr lang="zh-CN" altLang="en-US"/>
           </a:p>
@@ -308,7 +309,7 @@
           <p:cNvPr id="3077" name="备注占位符 4">
             <a:extLst>
               <a:ext uri="{FF2B5EF4-FFF2-40B4-BE49-F238E27FC236}">
-                <a16:creationId xmlns="" xmlns:a16="http://schemas.microsoft.com/office/drawing/2014/main" id="{E2153DB1-ECBF-4E4B-8575-FAF642E07F5D}"/>
+                <a16:creationId xmlns:a16="http://schemas.microsoft.com/office/drawing/2014/main" xmlns="" id="{E2153DB1-ECBF-4E4B-8575-FAF642E07F5D}"/>
               </a:ext>
             </a:extLst>
           </p:cNvPr>
@@ -381,7 +382,7 @@
           <p:cNvPr id="6" name="页脚占位符 5">
             <a:extLst>
               <a:ext uri="{FF2B5EF4-FFF2-40B4-BE49-F238E27FC236}">
-                <a16:creationId xmlns="" xmlns:a16="http://schemas.microsoft.com/office/drawing/2014/main" id="{66D10630-CF3B-4036-AC86-8A96194D8627}"/>
+                <a16:creationId xmlns:a16="http://schemas.microsoft.com/office/drawing/2014/main" xmlns="" id="{66D10630-CF3B-4036-AC86-8A96194D8627}"/>
               </a:ext>
             </a:extLst>
           </p:cNvPr>
@@ -423,7 +424,7 @@
           <p:cNvPr id="7" name="灯片编号占位符 6">
             <a:extLst>
               <a:ext uri="{FF2B5EF4-FFF2-40B4-BE49-F238E27FC236}">
-                <a16:creationId xmlns="" xmlns:a16="http://schemas.microsoft.com/office/drawing/2014/main" id="{483DB726-A68F-4447-AFD6-08FA7281243E}"/>
+                <a16:creationId xmlns:a16="http://schemas.microsoft.com/office/drawing/2014/main" xmlns="" id="{483DB726-A68F-4447-AFD6-08FA7281243E}"/>
               </a:ext>
             </a:extLst>
           </p:cNvPr>
@@ -896,7 +897,7 @@
               <p:cNvPr id="6" name="任意多边形: 形状 10">
                 <a:extLst>
                   <a:ext uri="{FF2B5EF4-FFF2-40B4-BE49-F238E27FC236}">
-                    <a16:creationId xmlns="" xmlns:a16="http://schemas.microsoft.com/office/drawing/2014/main" id="{89777735-2215-4C9C-8AA2-E64F64508A77}"/>
+                    <a16:creationId xmlns:a16="http://schemas.microsoft.com/office/drawing/2014/main" xmlns="" id="{89777735-2215-4C9C-8AA2-E64F64508A77}"/>
                   </a:ext>
                 </a:extLst>
               </p:cNvPr>
@@ -1370,7 +1371,7 @@
           <p:cNvPr id="8" name="矩形 7">
             <a:extLst>
               <a:ext uri="{FF2B5EF4-FFF2-40B4-BE49-F238E27FC236}">
-                <a16:creationId xmlns="" xmlns:a16="http://schemas.microsoft.com/office/drawing/2014/main" id="{EC4C2D47-D13F-47FB-BD7C-2FF3D39DC46E}"/>
+                <a16:creationId xmlns:a16="http://schemas.microsoft.com/office/drawing/2014/main" xmlns="" id="{EC4C2D47-D13F-47FB-BD7C-2FF3D39DC46E}"/>
               </a:ext>
             </a:extLst>
           </p:cNvPr>
@@ -1476,7 +1477,7 @@
           <p:cNvPr id="10" name="文本框 14">
             <a:extLst>
               <a:ext uri="{FF2B5EF4-FFF2-40B4-BE49-F238E27FC236}">
-                <a16:creationId xmlns="" xmlns:a16="http://schemas.microsoft.com/office/drawing/2014/main" id="{6159DFA7-95EF-4E02-B5F0-1932A555F8AE}"/>
+                <a16:creationId xmlns:a16="http://schemas.microsoft.com/office/drawing/2014/main" xmlns="" id="{6159DFA7-95EF-4E02-B5F0-1932A555F8AE}"/>
               </a:ext>
             </a:extLst>
           </p:cNvPr>
@@ -1821,6 +1822,985 @@
 </p:sldLayout>
 </file>
 
+<file path=ppt/slideLayouts/slideLayout3.xml><?xml version="1.0" encoding="utf-8"?>
+<p:sldLayout xmlns:a="http://schemas.openxmlformats.org/drawingml/2006/main" xmlns:r="http://schemas.openxmlformats.org/officeDocument/2006/relationships" xmlns:p="http://schemas.openxmlformats.org/presentationml/2006/main" showMasterSp="0" userDrawn="1">
+  <p:cSld name="标题和内容">
+    <p:spTree>
+      <p:nvGrpSpPr>
+        <p:cNvPr id="1" name=""/>
+        <p:cNvGrpSpPr/>
+        <p:nvPr/>
+      </p:nvGrpSpPr>
+      <p:grpSpPr>
+        <a:xfrm>
+          <a:off x="0" y="0"/>
+          <a:ext cx="0" cy="0"/>
+          <a:chOff x="0" y="0"/>
+          <a:chExt cx="0" cy="0"/>
+        </a:xfrm>
+      </p:grpSpPr>
+      <p:grpSp>
+        <p:nvGrpSpPr>
+          <p:cNvPr id="3" name="组合 2"/>
+          <p:cNvGrpSpPr>
+            <a:grpSpLocks/>
+          </p:cNvGrpSpPr>
+          <p:nvPr userDrawn="1"/>
+        </p:nvGrpSpPr>
+        <p:grpSpPr bwMode="auto">
+          <a:xfrm>
+            <a:off x="347663" y="130175"/>
+            <a:ext cx="9815512" cy="963613"/>
+            <a:chOff x="364" y="205"/>
+            <a:chExt cx="15457" cy="1516"/>
+          </a:xfrm>
+        </p:grpSpPr>
+        <p:grpSp>
+          <p:nvGrpSpPr>
+            <p:cNvPr id="4" name="组合 10"/>
+            <p:cNvGrpSpPr>
+              <a:grpSpLocks/>
+            </p:cNvGrpSpPr>
+            <p:nvPr/>
+          </p:nvGrpSpPr>
+          <p:grpSpPr bwMode="auto">
+            <a:xfrm>
+              <a:off x="364" y="205"/>
+              <a:ext cx="13736" cy="1517"/>
+              <a:chOff x="230895" y="130347"/>
+              <a:chExt cx="8722605" cy="963251"/>
+            </a:xfrm>
+          </p:grpSpPr>
+          <p:sp>
+            <p:nvSpPr>
+              <p:cNvPr id="6" name="任意多边形: 形状 10">
+                <a:extLst>
+                  <a:ext uri="{FF2B5EF4-FFF2-40B4-BE49-F238E27FC236}">
+                    <a16:creationId xmlns:a16="http://schemas.microsoft.com/office/drawing/2014/main" xmlns="" id="{89777735-2215-4C9C-8AA2-E64F64508A77}"/>
+                  </a:ext>
+                </a:extLst>
+              </p:cNvPr>
+              <p:cNvSpPr/>
+              <p:nvPr/>
+            </p:nvSpPr>
+            <p:spPr>
+              <a:xfrm>
+                <a:off x="1497715" y="457034"/>
+                <a:ext cx="7456455" cy="372677"/>
+              </a:xfrm>
+              <a:custGeom>
+                <a:avLst/>
+                <a:gdLst>
+                  <a:gd name="connsiteX0" fmla="*/ 0 w 9877777"/>
+                  <a:gd name="connsiteY0" fmla="*/ 284617 h 420929"/>
+                  <a:gd name="connsiteX1" fmla="*/ 620889 w 9877777"/>
+                  <a:gd name="connsiteY1" fmla="*/ 115284 h 420929"/>
+                  <a:gd name="connsiteX2" fmla="*/ 2302933 w 9877777"/>
+                  <a:gd name="connsiteY2" fmla="*/ 420084 h 420929"/>
+                  <a:gd name="connsiteX3" fmla="*/ 4696177 w 9877777"/>
+                  <a:gd name="connsiteY3" fmla="*/ 2395 h 420929"/>
+                  <a:gd name="connsiteX4" fmla="*/ 6886222 w 9877777"/>
+                  <a:gd name="connsiteY4" fmla="*/ 250751 h 420929"/>
+                  <a:gd name="connsiteX5" fmla="*/ 9098844 w 9877777"/>
+                  <a:gd name="connsiteY5" fmla="*/ 284617 h 420929"/>
+                  <a:gd name="connsiteX6" fmla="*/ 9877777 w 9877777"/>
+                  <a:gd name="connsiteY6" fmla="*/ 149151 h 420929"/>
+                  <a:gd name="connsiteX0-1" fmla="*/ 0 w 9877777"/>
+                  <a:gd name="connsiteY0-2" fmla="*/ 284617 h 431037"/>
+                  <a:gd name="connsiteX1-3" fmla="*/ 595855 w 9877777"/>
+                  <a:gd name="connsiteY1-4" fmla="*/ 307195 h 431037"/>
+                  <a:gd name="connsiteX2-5" fmla="*/ 2302933 w 9877777"/>
+                  <a:gd name="connsiteY2-6" fmla="*/ 420084 h 431037"/>
+                  <a:gd name="connsiteX3-7" fmla="*/ 4696177 w 9877777"/>
+                  <a:gd name="connsiteY3-8" fmla="*/ 2395 h 431037"/>
+                  <a:gd name="connsiteX4-9" fmla="*/ 6886222 w 9877777"/>
+                  <a:gd name="connsiteY4-10" fmla="*/ 250751 h 431037"/>
+                  <a:gd name="connsiteX5-11" fmla="*/ 9098844 w 9877777"/>
+                  <a:gd name="connsiteY5-12" fmla="*/ 284617 h 431037"/>
+                  <a:gd name="connsiteX6-13" fmla="*/ 9877777 w 9877777"/>
+                  <a:gd name="connsiteY6-14" fmla="*/ 149151 h 431037"/>
+                  <a:gd name="connsiteX0-15" fmla="*/ 0 w 9915328"/>
+                  <a:gd name="connsiteY0-16" fmla="*/ 194306 h 431977"/>
+                  <a:gd name="connsiteX1-17" fmla="*/ 633406 w 9915328"/>
+                  <a:gd name="connsiteY1-18" fmla="*/ 307195 h 431977"/>
+                  <a:gd name="connsiteX2-19" fmla="*/ 2340484 w 9915328"/>
+                  <a:gd name="connsiteY2-20" fmla="*/ 420084 h 431977"/>
+                  <a:gd name="connsiteX3-21" fmla="*/ 4733728 w 9915328"/>
+                  <a:gd name="connsiteY3-22" fmla="*/ 2395 h 431977"/>
+                  <a:gd name="connsiteX4-23" fmla="*/ 6923773 w 9915328"/>
+                  <a:gd name="connsiteY4-24" fmla="*/ 250751 h 431977"/>
+                  <a:gd name="connsiteX5-25" fmla="*/ 9136395 w 9915328"/>
+                  <a:gd name="connsiteY5-26" fmla="*/ 284617 h 431977"/>
+                  <a:gd name="connsiteX6-27" fmla="*/ 9915328 w 9915328"/>
+                  <a:gd name="connsiteY6-28" fmla="*/ 149151 h 431977"/>
+                  <a:gd name="connsiteX0-29" fmla="*/ 0 w 9915328"/>
+                  <a:gd name="connsiteY0-30" fmla="*/ 194306 h 431977"/>
+                  <a:gd name="connsiteX1-31" fmla="*/ 633406 w 9915328"/>
+                  <a:gd name="connsiteY1-32" fmla="*/ 307195 h 431977"/>
+                  <a:gd name="connsiteX2-33" fmla="*/ 2340484 w 9915328"/>
+                  <a:gd name="connsiteY2-34" fmla="*/ 420084 h 431977"/>
+                  <a:gd name="connsiteX3-35" fmla="*/ 4733728 w 9915328"/>
+                  <a:gd name="connsiteY3-36" fmla="*/ 2395 h 431977"/>
+                  <a:gd name="connsiteX4-37" fmla="*/ 6923773 w 9915328"/>
+                  <a:gd name="connsiteY4-38" fmla="*/ 250751 h 431977"/>
+                  <a:gd name="connsiteX5-39" fmla="*/ 9136395 w 9915328"/>
+                  <a:gd name="connsiteY5-40" fmla="*/ 284617 h 431977"/>
+                  <a:gd name="connsiteX6-41" fmla="*/ 9915328 w 9915328"/>
+                  <a:gd name="connsiteY6-42" fmla="*/ 149151 h 431977"/>
+                  <a:gd name="connsiteX0-43" fmla="*/ 0 w 9915328"/>
+                  <a:gd name="connsiteY0-44" fmla="*/ 60818 h 291409"/>
+                  <a:gd name="connsiteX1-45" fmla="*/ 633406 w 9915328"/>
+                  <a:gd name="connsiteY1-46" fmla="*/ 173707 h 291409"/>
+                  <a:gd name="connsiteX2-47" fmla="*/ 2340484 w 9915328"/>
+                  <a:gd name="connsiteY2-48" fmla="*/ 286596 h 291409"/>
+                  <a:gd name="connsiteX3-49" fmla="*/ 5071684 w 9915328"/>
+                  <a:gd name="connsiteY3-50" fmla="*/ 4374 h 291409"/>
+                  <a:gd name="connsiteX4-51" fmla="*/ 6923773 w 9915328"/>
+                  <a:gd name="connsiteY4-52" fmla="*/ 117263 h 291409"/>
+                  <a:gd name="connsiteX5-53" fmla="*/ 9136395 w 9915328"/>
+                  <a:gd name="connsiteY5-54" fmla="*/ 151129 h 291409"/>
+                  <a:gd name="connsiteX6-55" fmla="*/ 9915328 w 9915328"/>
+                  <a:gd name="connsiteY6-56" fmla="*/ 15663 h 291409"/>
+                  <a:gd name="connsiteX0-57" fmla="*/ 0 w 9915328"/>
+                  <a:gd name="connsiteY0-58" fmla="*/ 163495 h 394086"/>
+                  <a:gd name="connsiteX1-59" fmla="*/ 633406 w 9915328"/>
+                  <a:gd name="connsiteY1-60" fmla="*/ 276384 h 394086"/>
+                  <a:gd name="connsiteX2-61" fmla="*/ 2340484 w 9915328"/>
+                  <a:gd name="connsiteY2-62" fmla="*/ 389273 h 394086"/>
+                  <a:gd name="connsiteX3-63" fmla="*/ 5071684 w 9915328"/>
+                  <a:gd name="connsiteY3-64" fmla="*/ 107051 h 394086"/>
+                  <a:gd name="connsiteX4-65" fmla="*/ 6986358 w 9915328"/>
+                  <a:gd name="connsiteY4-66" fmla="*/ 5451 h 394086"/>
+                  <a:gd name="connsiteX5-67" fmla="*/ 9136395 w 9915328"/>
+                  <a:gd name="connsiteY5-68" fmla="*/ 253806 h 394086"/>
+                  <a:gd name="connsiteX6-69" fmla="*/ 9915328 w 9915328"/>
+                  <a:gd name="connsiteY6-70" fmla="*/ 118340 h 394086"/>
+                  <a:gd name="connsiteX0-71" fmla="*/ 0 w 9915328"/>
+                  <a:gd name="connsiteY0-72" fmla="*/ 179002 h 409593"/>
+                  <a:gd name="connsiteX1-73" fmla="*/ 633406 w 9915328"/>
+                  <a:gd name="connsiteY1-74" fmla="*/ 291891 h 409593"/>
+                  <a:gd name="connsiteX2-75" fmla="*/ 2340484 w 9915328"/>
+                  <a:gd name="connsiteY2-76" fmla="*/ 404780 h 409593"/>
+                  <a:gd name="connsiteX3-77" fmla="*/ 5071684 w 9915328"/>
+                  <a:gd name="connsiteY3-78" fmla="*/ 122558 h 409593"/>
+                  <a:gd name="connsiteX4-79" fmla="*/ 6986358 w 9915328"/>
+                  <a:gd name="connsiteY4-80" fmla="*/ 20958 h 409593"/>
+                  <a:gd name="connsiteX5-81" fmla="*/ 9136395 w 9915328"/>
+                  <a:gd name="connsiteY5-82" fmla="*/ 9669 h 409593"/>
+                  <a:gd name="connsiteX6-83" fmla="*/ 9915328 w 9915328"/>
+                  <a:gd name="connsiteY6-84" fmla="*/ 133847 h 409593"/>
+                  <a:gd name="connsiteX0-85" fmla="*/ 0 w 9915328"/>
+                  <a:gd name="connsiteY0-86" fmla="*/ 198509 h 429100"/>
+                  <a:gd name="connsiteX1-87" fmla="*/ 633406 w 9915328"/>
+                  <a:gd name="connsiteY1-88" fmla="*/ 311398 h 429100"/>
+                  <a:gd name="connsiteX2-89" fmla="*/ 2340484 w 9915328"/>
+                  <a:gd name="connsiteY2-90" fmla="*/ 424287 h 429100"/>
+                  <a:gd name="connsiteX3-91" fmla="*/ 5071684 w 9915328"/>
+                  <a:gd name="connsiteY3-92" fmla="*/ 142065 h 429100"/>
+                  <a:gd name="connsiteX4-93" fmla="*/ 6986358 w 9915328"/>
+                  <a:gd name="connsiteY4-94" fmla="*/ 40465 h 429100"/>
+                  <a:gd name="connsiteX5-95" fmla="*/ 9136395 w 9915328"/>
+                  <a:gd name="connsiteY5-96" fmla="*/ 29176 h 429100"/>
+                  <a:gd name="connsiteX6-97" fmla="*/ 9915328 w 9915328"/>
+                  <a:gd name="connsiteY6-98" fmla="*/ 153354 h 429100"/>
+                  <a:gd name="connsiteX0-99" fmla="*/ 0 w 9915328"/>
+                  <a:gd name="connsiteY0-100" fmla="*/ 158109 h 388700"/>
+                  <a:gd name="connsiteX1-101" fmla="*/ 633406 w 9915328"/>
+                  <a:gd name="connsiteY1-102" fmla="*/ 270998 h 388700"/>
+                  <a:gd name="connsiteX2-103" fmla="*/ 2340484 w 9915328"/>
+                  <a:gd name="connsiteY2-104" fmla="*/ 383887 h 388700"/>
+                  <a:gd name="connsiteX3-105" fmla="*/ 5071684 w 9915328"/>
+                  <a:gd name="connsiteY3-106" fmla="*/ 101665 h 388700"/>
+                  <a:gd name="connsiteX4-107" fmla="*/ 6986358 w 9915328"/>
+                  <a:gd name="connsiteY4-108" fmla="*/ 65 h 388700"/>
+                  <a:gd name="connsiteX5-109" fmla="*/ 8835990 w 9915328"/>
+                  <a:gd name="connsiteY5-110" fmla="*/ 112954 h 388700"/>
+                  <a:gd name="connsiteX6-111" fmla="*/ 9915328 w 9915328"/>
+                  <a:gd name="connsiteY6-112" fmla="*/ 112954 h 388700"/>
+                  <a:gd name="connsiteX0-113" fmla="*/ 0 w 9915328"/>
+                  <a:gd name="connsiteY0-114" fmla="*/ 158569 h 385714"/>
+                  <a:gd name="connsiteX1-115" fmla="*/ 633406 w 9915328"/>
+                  <a:gd name="connsiteY1-116" fmla="*/ 271458 h 385714"/>
+                  <a:gd name="connsiteX2-117" fmla="*/ 2340484 w 9915328"/>
+                  <a:gd name="connsiteY2-118" fmla="*/ 384347 h 385714"/>
+                  <a:gd name="connsiteX3-119" fmla="*/ 5270277 w 9915328"/>
+                  <a:gd name="connsiteY3-120" fmla="*/ 191025 h 385714"/>
+                  <a:gd name="connsiteX4-121" fmla="*/ 6986358 w 9915328"/>
+                  <a:gd name="connsiteY4-122" fmla="*/ 525 h 385714"/>
+                  <a:gd name="connsiteX5-123" fmla="*/ 8835990 w 9915328"/>
+                  <a:gd name="connsiteY5-124" fmla="*/ 113414 h 385714"/>
+                  <a:gd name="connsiteX6-125" fmla="*/ 9915328 w 9915328"/>
+                  <a:gd name="connsiteY6-126" fmla="*/ 113414 h 385714"/>
+                  <a:gd name="connsiteX0-127" fmla="*/ 0 w 9915328"/>
+                  <a:gd name="connsiteY0-128" fmla="*/ 158569 h 323756"/>
+                  <a:gd name="connsiteX1-129" fmla="*/ 633406 w 9915328"/>
+                  <a:gd name="connsiteY1-130" fmla="*/ 271458 h 323756"/>
+                  <a:gd name="connsiteX2-131" fmla="*/ 2340484 w 9915328"/>
+                  <a:gd name="connsiteY2-132" fmla="*/ 320847 h 323756"/>
+                  <a:gd name="connsiteX3-133" fmla="*/ 5270277 w 9915328"/>
+                  <a:gd name="connsiteY3-134" fmla="*/ 191025 h 323756"/>
+                  <a:gd name="connsiteX4-135" fmla="*/ 6986358 w 9915328"/>
+                  <a:gd name="connsiteY4-136" fmla="*/ 525 h 323756"/>
+                  <a:gd name="connsiteX5-137" fmla="*/ 8835990 w 9915328"/>
+                  <a:gd name="connsiteY5-138" fmla="*/ 113414 h 323756"/>
+                  <a:gd name="connsiteX6-139" fmla="*/ 9915328 w 9915328"/>
+                  <a:gd name="connsiteY6-140" fmla="*/ 113414 h 323756"/>
+                  <a:gd name="connsiteX0-141" fmla="*/ 0 w 9915328"/>
+                  <a:gd name="connsiteY0-142" fmla="*/ 95979 h 261166"/>
+                  <a:gd name="connsiteX1-143" fmla="*/ 633406 w 9915328"/>
+                  <a:gd name="connsiteY1-144" fmla="*/ 208868 h 261166"/>
+                  <a:gd name="connsiteX2-145" fmla="*/ 2340484 w 9915328"/>
+                  <a:gd name="connsiteY2-146" fmla="*/ 258257 h 261166"/>
+                  <a:gd name="connsiteX3-147" fmla="*/ 5270277 w 9915328"/>
+                  <a:gd name="connsiteY3-148" fmla="*/ 128435 h 261166"/>
+                  <a:gd name="connsiteX4-149" fmla="*/ 8835990 w 9915328"/>
+                  <a:gd name="connsiteY4-150" fmla="*/ 50824 h 261166"/>
+                  <a:gd name="connsiteX5-151" fmla="*/ 9915328 w 9915328"/>
+                  <a:gd name="connsiteY5-152" fmla="*/ 50824 h 261166"/>
+                  <a:gd name="connsiteX0-153" fmla="*/ 0 w 9915328"/>
+                  <a:gd name="connsiteY0-154" fmla="*/ 201048 h 366235"/>
+                  <a:gd name="connsiteX1-155" fmla="*/ 633406 w 9915328"/>
+                  <a:gd name="connsiteY1-156" fmla="*/ 313937 h 366235"/>
+                  <a:gd name="connsiteX2-157" fmla="*/ 2340484 w 9915328"/>
+                  <a:gd name="connsiteY2-158" fmla="*/ 363326 h 366235"/>
+                  <a:gd name="connsiteX3-159" fmla="*/ 5270277 w 9915328"/>
+                  <a:gd name="connsiteY3-160" fmla="*/ 233504 h 366235"/>
+                  <a:gd name="connsiteX4-161" fmla="*/ 7659714 w 9915328"/>
+                  <a:gd name="connsiteY4-162" fmla="*/ 28893 h 366235"/>
+                  <a:gd name="connsiteX5-163" fmla="*/ 9915328 w 9915328"/>
+                  <a:gd name="connsiteY5-164" fmla="*/ 155893 h 366235"/>
+                  <a:gd name="connsiteX0-165" fmla="*/ 0 w 9915328"/>
+                  <a:gd name="connsiteY0-166" fmla="*/ 173629 h 338816"/>
+                  <a:gd name="connsiteX1-167" fmla="*/ 633406 w 9915328"/>
+                  <a:gd name="connsiteY1-168" fmla="*/ 286518 h 338816"/>
+                  <a:gd name="connsiteX2-169" fmla="*/ 2340484 w 9915328"/>
+                  <a:gd name="connsiteY2-170" fmla="*/ 335907 h 338816"/>
+                  <a:gd name="connsiteX3-171" fmla="*/ 5270277 w 9915328"/>
+                  <a:gd name="connsiteY3-172" fmla="*/ 206085 h 338816"/>
+                  <a:gd name="connsiteX4-173" fmla="*/ 7659714 w 9915328"/>
+                  <a:gd name="connsiteY4-174" fmla="*/ 1474 h 338816"/>
+                  <a:gd name="connsiteX5-175" fmla="*/ 9915328 w 9915328"/>
+                  <a:gd name="connsiteY5-176" fmla="*/ 128474 h 338816"/>
+                  <a:gd name="connsiteX0-177" fmla="*/ 0 w 10190302"/>
+                  <a:gd name="connsiteY0-178" fmla="*/ 174097 h 339284"/>
+                  <a:gd name="connsiteX1-179" fmla="*/ 633406 w 10190302"/>
+                  <a:gd name="connsiteY1-180" fmla="*/ 286986 h 339284"/>
+                  <a:gd name="connsiteX2-181" fmla="*/ 2340484 w 10190302"/>
+                  <a:gd name="connsiteY2-182" fmla="*/ 336375 h 339284"/>
+                  <a:gd name="connsiteX3-183" fmla="*/ 5270277 w 10190302"/>
+                  <a:gd name="connsiteY3-184" fmla="*/ 206553 h 339284"/>
+                  <a:gd name="connsiteX4-185" fmla="*/ 7659714 w 10190302"/>
+                  <a:gd name="connsiteY4-186" fmla="*/ 1942 h 339284"/>
+                  <a:gd name="connsiteX5-187" fmla="*/ 10190302 w 10190302"/>
+                  <a:gd name="connsiteY5-188" fmla="*/ 103542 h 339284"/>
+                  <a:gd name="connsiteX0-189" fmla="*/ 0 w 10129197"/>
+                  <a:gd name="connsiteY0-190" fmla="*/ 85197 h 340405"/>
+                  <a:gd name="connsiteX1-191" fmla="*/ 572301 w 10129197"/>
+                  <a:gd name="connsiteY1-192" fmla="*/ 286986 h 340405"/>
+                  <a:gd name="connsiteX2-193" fmla="*/ 2279379 w 10129197"/>
+                  <a:gd name="connsiteY2-194" fmla="*/ 336375 h 340405"/>
+                  <a:gd name="connsiteX3-195" fmla="*/ 5209172 w 10129197"/>
+                  <a:gd name="connsiteY3-196" fmla="*/ 206553 h 340405"/>
+                  <a:gd name="connsiteX4-197" fmla="*/ 7598609 w 10129197"/>
+                  <a:gd name="connsiteY4-198" fmla="*/ 1942 h 340405"/>
+                  <a:gd name="connsiteX5-199" fmla="*/ 10129197 w 10129197"/>
+                  <a:gd name="connsiteY5-200" fmla="*/ 103542 h 340405"/>
+                  <a:gd name="connsiteX0-201" fmla="*/ 0 w 10129197"/>
+                  <a:gd name="connsiteY0-202" fmla="*/ 85197 h 340405"/>
+                  <a:gd name="connsiteX1-203" fmla="*/ 572301 w 10129197"/>
+                  <a:gd name="connsiteY1-204" fmla="*/ 286986 h 340405"/>
+                  <a:gd name="connsiteX2-205" fmla="*/ 2279379 w 10129197"/>
+                  <a:gd name="connsiteY2-206" fmla="*/ 336375 h 340405"/>
+                  <a:gd name="connsiteX3-207" fmla="*/ 5209172 w 10129197"/>
+                  <a:gd name="connsiteY3-208" fmla="*/ 206553 h 340405"/>
+                  <a:gd name="connsiteX4-209" fmla="*/ 7598609 w 10129197"/>
+                  <a:gd name="connsiteY4-210" fmla="*/ 1942 h 340405"/>
+                  <a:gd name="connsiteX5-211" fmla="*/ 10129197 w 10129197"/>
+                  <a:gd name="connsiteY5-212" fmla="*/ 103542 h 340405"/>
+                  <a:gd name="connsiteX0-213" fmla="*/ 0 w 10129197"/>
+                  <a:gd name="connsiteY0-214" fmla="*/ 85197 h 339169"/>
+                  <a:gd name="connsiteX1-215" fmla="*/ 2279379 w 10129197"/>
+                  <a:gd name="connsiteY1-216" fmla="*/ 336375 h 339169"/>
+                  <a:gd name="connsiteX2-217" fmla="*/ 5209172 w 10129197"/>
+                  <a:gd name="connsiteY2-218" fmla="*/ 206553 h 339169"/>
+                  <a:gd name="connsiteX3-219" fmla="*/ 7598609 w 10129197"/>
+                  <a:gd name="connsiteY3-220" fmla="*/ 1942 h 339169"/>
+                  <a:gd name="connsiteX4-221" fmla="*/ 10129197 w 10129197"/>
+                  <a:gd name="connsiteY4-222" fmla="*/ 103542 h 339169"/>
+                  <a:gd name="connsiteX0-223" fmla="*/ 0 w 10129197"/>
+                  <a:gd name="connsiteY0-224" fmla="*/ 85197 h 339169"/>
+                  <a:gd name="connsiteX1-225" fmla="*/ 2279379 w 10129197"/>
+                  <a:gd name="connsiteY1-226" fmla="*/ 336375 h 339169"/>
+                  <a:gd name="connsiteX2-227" fmla="*/ 5209172 w 10129197"/>
+                  <a:gd name="connsiteY2-228" fmla="*/ 206553 h 339169"/>
+                  <a:gd name="connsiteX3-229" fmla="*/ 7598609 w 10129197"/>
+                  <a:gd name="connsiteY3-230" fmla="*/ 1942 h 339169"/>
+                  <a:gd name="connsiteX4-231" fmla="*/ 10129197 w 10129197"/>
+                  <a:gd name="connsiteY4-232" fmla="*/ 103542 h 339169"/>
+                  <a:gd name="connsiteX0-233" fmla="*/ 0 w 10129197"/>
+                  <a:gd name="connsiteY0-234" fmla="*/ 118179 h 372151"/>
+                  <a:gd name="connsiteX1-235" fmla="*/ 2279379 w 10129197"/>
+                  <a:gd name="connsiteY1-236" fmla="*/ 369357 h 372151"/>
+                  <a:gd name="connsiteX2-237" fmla="*/ 5209172 w 10129197"/>
+                  <a:gd name="connsiteY2-238" fmla="*/ 239535 h 372151"/>
+                  <a:gd name="connsiteX3-239" fmla="*/ 7598609 w 10129197"/>
+                  <a:gd name="connsiteY3-240" fmla="*/ 34924 h 372151"/>
+                  <a:gd name="connsiteX4-241" fmla="*/ 10129197 w 10129197"/>
+                  <a:gd name="connsiteY4-242" fmla="*/ 9524 h 372151"/>
+                </a:gdLst>
+                <a:ahLst/>
+                <a:cxnLst>
+                  <a:cxn ang="0">
+                    <a:pos x="connsiteX0-1" y="connsiteY0-2"/>
+                  </a:cxn>
+                  <a:cxn ang="0">
+                    <a:pos x="connsiteX1-3" y="connsiteY1-4"/>
+                  </a:cxn>
+                  <a:cxn ang="0">
+                    <a:pos x="connsiteX2-5" y="connsiteY2-6"/>
+                  </a:cxn>
+                  <a:cxn ang="0">
+                    <a:pos x="connsiteX3-7" y="connsiteY3-8"/>
+                  </a:cxn>
+                  <a:cxn ang="0">
+                    <a:pos x="connsiteX4-9" y="connsiteY4-10"/>
+                  </a:cxn>
+                </a:cxnLst>
+                <a:rect l="l" t="t" r="r" b="b"/>
+                <a:pathLst>
+                  <a:path w="10129197" h="372151">
+                    <a:moveTo>
+                      <a:pt x="0" y="118179"/>
+                    </a:moveTo>
+                    <a:cubicBezTo>
+                      <a:pt x="245726" y="411808"/>
+                      <a:pt x="1411184" y="349131"/>
+                      <a:pt x="2279379" y="369357"/>
+                    </a:cubicBezTo>
+                    <a:cubicBezTo>
+                      <a:pt x="3147574" y="389583"/>
+                      <a:pt x="4322634" y="295274"/>
+                      <a:pt x="5209172" y="239535"/>
+                    </a:cubicBezTo>
+                    <a:cubicBezTo>
+                      <a:pt x="6095710" y="183796"/>
+                      <a:pt x="6778605" y="73259"/>
+                      <a:pt x="7598609" y="34924"/>
+                    </a:cubicBezTo>
+                    <a:cubicBezTo>
+                      <a:pt x="8418613" y="-3411"/>
+                      <a:pt x="10029478" y="-7409"/>
+                      <a:pt x="10129197" y="9524"/>
+                    </a:cubicBezTo>
+                  </a:path>
+                </a:pathLst>
+              </a:custGeom>
+              <a:noFill/>
+              <a:ln>
+                <a:solidFill>
+                  <a:schemeClr val="tx1">
+                    <a:lumMod val="65000"/>
+                    <a:lumOff val="35000"/>
+                  </a:schemeClr>
+                </a:solidFill>
+                <a:prstDash val="dash"/>
+              </a:ln>
+            </p:spPr>
+            <p:style>
+              <a:lnRef idx="2">
+                <a:schemeClr val="accent1">
+                  <a:shade val="50000"/>
+                </a:schemeClr>
+              </a:lnRef>
+              <a:fillRef idx="1">
+                <a:schemeClr val="accent1"/>
+              </a:fillRef>
+              <a:effectRef idx="0">
+                <a:schemeClr val="accent1"/>
+              </a:effectRef>
+              <a:fontRef idx="minor">
+                <a:schemeClr val="lt1"/>
+              </a:fontRef>
+            </p:style>
+            <p:txBody>
+              <a:bodyPr anchor="ctr"/>
+              <a:lstStyle/>
+              <a:p>
+                <a:pPr algn="ctr" eaLnBrk="1" fontAlgn="auto" hangingPunct="1">
+                  <a:buFont typeface="Arial" panose="020B0604020202020204" pitchFamily="34" charset="0"/>
+                  <a:buNone/>
+                  <a:defRPr/>
+                </a:pPr>
+                <a:endParaRPr lang="zh-CN" altLang="en-US" noProof="1"/>
+              </a:p>
+            </p:txBody>
+          </p:sp>
+          <p:pic>
+            <p:nvPicPr>
+              <p:cNvPr id="7" name="图片 12"/>
+              <p:cNvPicPr>
+                <a:picLocks noChangeAspect="1" noChangeArrowheads="1"/>
+              </p:cNvPicPr>
+              <p:nvPr/>
+            </p:nvPicPr>
+            <p:blipFill>
+              <a:blip r:embed="rId2">
+                <a:extLst>
+                  <a:ext uri="{28A0092B-C50C-407E-A947-70E740481C1C}">
+                    <a14:useLocalDpi xmlns:a14="http://schemas.microsoft.com/office/drawing/2010/main" val="0"/>
+                  </a:ext>
+                </a:extLst>
+              </a:blip>
+              <a:srcRect/>
+              <a:stretch>
+                <a:fillRect/>
+              </a:stretch>
+            </p:blipFill>
+            <p:spPr bwMode="auto">
+              <a:xfrm>
+                <a:off x="230895" y="130347"/>
+                <a:ext cx="1335140" cy="963251"/>
+              </a:xfrm>
+              <a:prstGeom prst="rect">
+                <a:avLst/>
+              </a:prstGeom>
+              <a:noFill/>
+              <a:ln>
+                <a:noFill/>
+              </a:ln>
+              <a:extLst>
+                <a:ext uri="{909E8E84-426E-40DD-AFC4-6F175D3DCCD1}">
+                  <a14:hiddenFill xmlns:a14="http://schemas.microsoft.com/office/drawing/2010/main">
+                    <a:solidFill>
+                      <a:srgbClr val="FFFFFF"/>
+                    </a:solidFill>
+                  </a14:hiddenFill>
+                </a:ext>
+                <a:ext uri="{91240B29-F687-4F45-9708-019B960494DF}">
+                  <a14:hiddenLine xmlns:a14="http://schemas.microsoft.com/office/drawing/2010/main" w="9525">
+                    <a:solidFill>
+                      <a:srgbClr val="000000"/>
+                    </a:solidFill>
+                    <a:miter lim="800000"/>
+                    <a:headEnd/>
+                    <a:tailEnd/>
+                  </a14:hiddenLine>
+                </a:ext>
+              </a:extLst>
+            </p:spPr>
+          </p:pic>
+        </p:grpSp>
+        <p:pic>
+          <p:nvPicPr>
+            <p:cNvPr id="5" name="图片 13"/>
+            <p:cNvPicPr>
+              <a:picLocks noChangeAspect="1" noChangeArrowheads="1"/>
+            </p:cNvPicPr>
+            <p:nvPr/>
+          </p:nvPicPr>
+          <p:blipFill>
+            <a:blip r:embed="rId3">
+              <a:extLst>
+                <a:ext uri="{28A0092B-C50C-407E-A947-70E740481C1C}">
+                  <a14:useLocalDpi xmlns:a14="http://schemas.microsoft.com/office/drawing/2010/main" val="0"/>
+                </a:ext>
+              </a:extLst>
+            </a:blip>
+            <a:srcRect/>
+            <a:stretch>
+              <a:fillRect/>
+            </a:stretch>
+          </p:blipFill>
+          <p:spPr bwMode="auto">
+            <a:xfrm>
+              <a:off x="14295" y="205"/>
+              <a:ext cx="1527" cy="1498"/>
+            </a:xfrm>
+            <a:prstGeom prst="rect">
+              <a:avLst/>
+            </a:prstGeom>
+            <a:noFill/>
+            <a:ln>
+              <a:noFill/>
+            </a:ln>
+            <a:extLst>
+              <a:ext uri="{909E8E84-426E-40DD-AFC4-6F175D3DCCD1}">
+                <a14:hiddenFill xmlns:a14="http://schemas.microsoft.com/office/drawing/2010/main">
+                  <a:solidFill>
+                    <a:srgbClr val="FFFFFF"/>
+                  </a:solidFill>
+                </a14:hiddenFill>
+              </a:ext>
+              <a:ext uri="{91240B29-F687-4F45-9708-019B960494DF}">
+                <a14:hiddenLine xmlns:a14="http://schemas.microsoft.com/office/drawing/2010/main" w="9525">
+                  <a:solidFill>
+                    <a:srgbClr val="000000"/>
+                  </a:solidFill>
+                  <a:miter lim="800000"/>
+                  <a:headEnd/>
+                  <a:tailEnd/>
+                </a14:hiddenLine>
+              </a:ext>
+            </a:extLst>
+          </p:spPr>
+        </p:pic>
+      </p:grpSp>
+      <p:sp>
+        <p:nvSpPr>
+          <p:cNvPr id="8" name="矩形 7">
+            <a:extLst>
+              <a:ext uri="{FF2B5EF4-FFF2-40B4-BE49-F238E27FC236}">
+                <a16:creationId xmlns:a16="http://schemas.microsoft.com/office/drawing/2014/main" xmlns="" id="{EC4C2D47-D13F-47FB-BD7C-2FF3D39DC46E}"/>
+              </a:ext>
+            </a:extLst>
+          </p:cNvPr>
+          <p:cNvSpPr/>
+          <p:nvPr userDrawn="1"/>
+        </p:nvSpPr>
+        <p:spPr>
+          <a:xfrm>
+            <a:off x="0" y="6137275"/>
+            <a:ext cx="12190413" cy="454025"/>
+          </a:xfrm>
+          <a:prstGeom prst="rect">
+            <a:avLst/>
+          </a:prstGeom>
+        </p:spPr>
+        <p:style>
+          <a:lnRef idx="2">
+            <a:schemeClr val="accent3">
+              <a:shade val="50000"/>
+            </a:schemeClr>
+          </a:lnRef>
+          <a:fillRef idx="1">
+            <a:schemeClr val="accent3"/>
+          </a:fillRef>
+          <a:effectRef idx="0">
+            <a:schemeClr val="accent3"/>
+          </a:effectRef>
+          <a:fontRef idx="minor">
+            <a:schemeClr val="lt1"/>
+          </a:fontRef>
+        </p:style>
+        <p:txBody>
+          <a:bodyPr anchor="ctr"/>
+          <a:lstStyle/>
+          <a:p>
+            <a:pPr algn="ctr" eaLnBrk="1" fontAlgn="auto" hangingPunct="1">
+              <a:buFont typeface="Arial" panose="020B0604020202020204" pitchFamily="34" charset="0"/>
+              <a:buNone/>
+              <a:defRPr/>
+            </a:pPr>
+            <a:endParaRPr lang="zh-CN" altLang="en-US" noProof="1"/>
+          </a:p>
+        </p:txBody>
+      </p:sp>
+      <p:pic>
+        <p:nvPicPr>
+          <p:cNvPr id="9" name="图片 13" descr="出版社社标集logo-03"/>
+          <p:cNvPicPr>
+            <a:picLocks noChangeAspect="1" noChangeArrowheads="1"/>
+          </p:cNvPicPr>
+          <p:nvPr userDrawn="1"/>
+        </p:nvPicPr>
+        <p:blipFill>
+          <a:blip r:embed="rId4" cstate="print">
+            <a:grayscl/>
+            <a:biLevel thresh="50000"/>
+            <a:extLst>
+              <a:ext uri="{28A0092B-C50C-407E-A947-70E740481C1C}">
+                <a14:useLocalDpi xmlns:a14="http://schemas.microsoft.com/office/drawing/2010/main" val="0"/>
+              </a:ext>
+            </a:extLst>
+          </a:blip>
+          <a:srcRect/>
+          <a:stretch>
+            <a:fillRect/>
+          </a:stretch>
+        </p:blipFill>
+        <p:spPr bwMode="auto">
+          <a:xfrm>
+            <a:off x="720725" y="6169025"/>
+            <a:ext cx="1117600" cy="392113"/>
+          </a:xfrm>
+          <a:prstGeom prst="rect">
+            <a:avLst/>
+          </a:prstGeom>
+          <a:noFill/>
+          <a:ln>
+            <a:noFill/>
+          </a:ln>
+          <a:extLst>
+            <a:ext uri="{909E8E84-426E-40DD-AFC4-6F175D3DCCD1}">
+              <a14:hiddenFill xmlns:a14="http://schemas.microsoft.com/office/drawing/2010/main">
+                <a:solidFill>
+                  <a:srgbClr val="FFFFFF"/>
+                </a:solidFill>
+              </a14:hiddenFill>
+            </a:ext>
+            <a:ext uri="{91240B29-F687-4F45-9708-019B960494DF}">
+              <a14:hiddenLine xmlns:a14="http://schemas.microsoft.com/office/drawing/2010/main" w="9525">
+                <a:solidFill>
+                  <a:srgbClr val="000000"/>
+                </a:solidFill>
+                <a:miter lim="800000"/>
+                <a:headEnd/>
+                <a:tailEnd/>
+              </a14:hiddenLine>
+            </a:ext>
+          </a:extLst>
+        </p:spPr>
+      </p:pic>
+      <p:sp>
+        <p:nvSpPr>
+          <p:cNvPr id="10" name="文本框 14">
+            <a:extLst>
+              <a:ext uri="{FF2B5EF4-FFF2-40B4-BE49-F238E27FC236}">
+                <a16:creationId xmlns:a16="http://schemas.microsoft.com/office/drawing/2014/main" xmlns="" id="{6159DFA7-95EF-4E02-B5F0-1932A555F8AE}"/>
+              </a:ext>
+            </a:extLst>
+          </p:cNvPr>
+          <p:cNvSpPr txBox="1">
+            <a:spLocks noChangeArrowheads="1"/>
+          </p:cNvSpPr>
+          <p:nvPr userDrawn="1"/>
+        </p:nvSpPr>
+        <p:spPr bwMode="auto">
+          <a:xfrm>
+            <a:off x="9405938" y="6188075"/>
+            <a:ext cx="2262187" cy="369888"/>
+          </a:xfrm>
+          <a:prstGeom prst="rect">
+            <a:avLst/>
+          </a:prstGeom>
+          <a:noFill/>
+          <a:ln>
+            <a:noFill/>
+          </a:ln>
+        </p:spPr>
+        <p:txBody>
+          <a:bodyPr wrap="none">
+            <a:spAutoFit/>
+          </a:bodyPr>
+          <a:lstStyle>
+            <a:lvl1pPr>
+              <a:defRPr>
+                <a:solidFill>
+                  <a:schemeClr val="tx1"/>
+                </a:solidFill>
+                <a:latin typeface="等线" panose="02010600030101010101" pitchFamily="2" charset="-122"/>
+                <a:ea typeface="等线" panose="02010600030101010101" pitchFamily="2" charset="-122"/>
+              </a:defRPr>
+            </a:lvl1pPr>
+            <a:lvl2pPr>
+              <a:defRPr>
+                <a:solidFill>
+                  <a:schemeClr val="tx1"/>
+                </a:solidFill>
+                <a:latin typeface="等线" panose="02010600030101010101" pitchFamily="2" charset="-122"/>
+                <a:ea typeface="等线" panose="02010600030101010101" pitchFamily="2" charset="-122"/>
+              </a:defRPr>
+            </a:lvl2pPr>
+            <a:lvl3pPr>
+              <a:defRPr>
+                <a:solidFill>
+                  <a:schemeClr val="tx1"/>
+                </a:solidFill>
+                <a:latin typeface="等线" panose="02010600030101010101" pitchFamily="2" charset="-122"/>
+                <a:ea typeface="等线" panose="02010600030101010101" pitchFamily="2" charset="-122"/>
+              </a:defRPr>
+            </a:lvl3pPr>
+            <a:lvl4pPr>
+              <a:defRPr>
+                <a:solidFill>
+                  <a:schemeClr val="tx1"/>
+                </a:solidFill>
+                <a:latin typeface="等线" panose="02010600030101010101" pitchFamily="2" charset="-122"/>
+                <a:ea typeface="等线" panose="02010600030101010101" pitchFamily="2" charset="-122"/>
+              </a:defRPr>
+            </a:lvl4pPr>
+            <a:lvl5pPr>
+              <a:defRPr>
+                <a:solidFill>
+                  <a:schemeClr val="tx1"/>
+                </a:solidFill>
+                <a:latin typeface="等线" panose="02010600030101010101" pitchFamily="2" charset="-122"/>
+                <a:ea typeface="等线" panose="02010600030101010101" pitchFamily="2" charset="-122"/>
+              </a:defRPr>
+            </a:lvl5pPr>
+            <a:lvl6pPr fontAlgn="base">
+              <a:spcBef>
+                <a:spcPct val="0"/>
+              </a:spcBef>
+              <a:spcAft>
+                <a:spcPct val="0"/>
+              </a:spcAft>
+              <a:buFont typeface="Arial" panose="020B0604020202020204" pitchFamily="34" charset="0"/>
+              <a:defRPr>
+                <a:solidFill>
+                  <a:schemeClr val="tx1"/>
+                </a:solidFill>
+                <a:latin typeface="等线" panose="02010600030101010101" pitchFamily="2" charset="-122"/>
+                <a:ea typeface="等线" panose="02010600030101010101" pitchFamily="2" charset="-122"/>
+              </a:defRPr>
+            </a:lvl6pPr>
+            <a:lvl7pPr fontAlgn="base">
+              <a:spcBef>
+                <a:spcPct val="0"/>
+              </a:spcBef>
+              <a:spcAft>
+                <a:spcPct val="0"/>
+              </a:spcAft>
+              <a:buFont typeface="Arial" panose="020B0604020202020204" pitchFamily="34" charset="0"/>
+              <a:defRPr>
+                <a:solidFill>
+                  <a:schemeClr val="tx1"/>
+                </a:solidFill>
+                <a:latin typeface="等线" panose="02010600030101010101" pitchFamily="2" charset="-122"/>
+                <a:ea typeface="等线" panose="02010600030101010101" pitchFamily="2" charset="-122"/>
+              </a:defRPr>
+            </a:lvl7pPr>
+            <a:lvl8pPr fontAlgn="base">
+              <a:spcBef>
+                <a:spcPct val="0"/>
+              </a:spcBef>
+              <a:spcAft>
+                <a:spcPct val="0"/>
+              </a:spcAft>
+              <a:buFont typeface="Arial" panose="020B0604020202020204" pitchFamily="34" charset="0"/>
+              <a:defRPr>
+                <a:solidFill>
+                  <a:schemeClr val="tx1"/>
+                </a:solidFill>
+                <a:latin typeface="等线" panose="02010600030101010101" pitchFamily="2" charset="-122"/>
+                <a:ea typeface="等线" panose="02010600030101010101" pitchFamily="2" charset="-122"/>
+              </a:defRPr>
+            </a:lvl8pPr>
+            <a:lvl9pPr fontAlgn="base">
+              <a:spcBef>
+                <a:spcPct val="0"/>
+              </a:spcBef>
+              <a:spcAft>
+                <a:spcPct val="0"/>
+              </a:spcAft>
+              <a:buFont typeface="Arial" panose="020B0604020202020204" pitchFamily="34" charset="0"/>
+              <a:defRPr>
+                <a:solidFill>
+                  <a:schemeClr val="tx1"/>
+                </a:solidFill>
+                <a:latin typeface="等线" panose="02010600030101010101" pitchFamily="2" charset="-122"/>
+                <a:ea typeface="等线" panose="02010600030101010101" pitchFamily="2" charset="-122"/>
+              </a:defRPr>
+            </a:lvl9pPr>
+          </a:lstStyle>
+          <a:p>
+            <a:pPr eaLnBrk="1" hangingPunct="1">
+              <a:buFont typeface="Arial" panose="020B0604020202020204" pitchFamily="34" charset="0"/>
+              <a:buNone/>
+              <a:defRPr/>
+            </a:pPr>
+            <a:r>
+              <a:rPr lang="en-US" altLang="zh-CN" b="1" dirty="0">
+                <a:latin typeface="微软雅黑" panose="020B0503020204020204" pitchFamily="34" charset="-122"/>
+                <a:ea typeface="微软雅黑" panose="020B0503020204020204" pitchFamily="34" charset="-122"/>
+              </a:rPr>
+              <a:t>2021  ·  </a:t>
+            </a:r>
+            <a:r>
+              <a:rPr lang="zh-CN" altLang="en-US" b="1" dirty="0">
+                <a:latin typeface="微软雅黑" panose="020B0503020204020204" pitchFamily="34" charset="-122"/>
+                <a:ea typeface="微软雅黑" panose="020B0503020204020204" pitchFamily="34" charset="-122"/>
+              </a:rPr>
+              <a:t>趣 味 语 文</a:t>
+            </a:r>
+          </a:p>
+        </p:txBody>
+      </p:sp>
+      <p:sp>
+        <p:nvSpPr>
+          <p:cNvPr id="11" name="内容占位符 10"/>
+          <p:cNvSpPr>
+            <a:spLocks noGrp="1"/>
+          </p:cNvSpPr>
+          <p:nvPr>
+            <p:ph sz="quarter" idx="10"/>
+          </p:nvPr>
+        </p:nvSpPr>
+        <p:spPr>
+          <a:xfrm>
+            <a:off x="234950" y="1157288"/>
+            <a:ext cx="11722100" cy="4946650"/>
+          </a:xfrm>
+        </p:spPr>
+        <p:txBody>
+          <a:bodyPr/>
+          <a:lstStyle>
+            <a:lvl1pPr marL="0" indent="0" eaLnBrk="1">
+              <a:lnSpc>
+                <a:spcPct val="100000"/>
+              </a:lnSpc>
+              <a:spcBef>
+                <a:spcPts val="600"/>
+              </a:spcBef>
+              <a:buNone/>
+              <a:defRPr sz="2800">
+                <a:latin typeface="宋体" panose="02010600030101010101" pitchFamily="2" charset="-122"/>
+                <a:ea typeface="宋体" panose="02010600030101010101" pitchFamily="2" charset="-122"/>
+              </a:defRPr>
+            </a:lvl1pPr>
+          </a:lstStyle>
+          <a:p>
+            <a:pPr lvl="0"/>
+            <a:endParaRPr lang="en-US" altLang="x-none" dirty="0"/>
+          </a:p>
+          <a:p>
+            <a:pPr lvl="0"/>
+            <a:endParaRPr lang="en-US" altLang="x-none" dirty="0"/>
+          </a:p>
+          <a:p>
+            <a:pPr lvl="0"/>
+            <a:endParaRPr lang="x-none" altLang="en-US" dirty="0"/>
+          </a:p>
+        </p:txBody>
+      </p:sp>
+    </p:spTree>
+    <p:extLst>
+      <p:ext uri="{BB962C8B-B14F-4D97-AF65-F5344CB8AC3E}">
+        <p14:creationId xmlns:p14="http://schemas.microsoft.com/office/powerpoint/2010/main" val="2658546281"/>
+      </p:ext>
+    </p:extLst>
+  </p:cSld>
+  <p:clrMapOvr>
+    <a:masterClrMapping/>
+  </p:clrMapOvr>
+  <p:transition spd="slow"/>
+  <p:timing>
+    <p:tnLst>
+      <p:par>
+        <p:cTn id="1" dur="indefinite" restart="never" nodeType="tmRoot">
+          <p:childTnLst>
+            <p:seq concurrent="1" nextAc="seek">
+              <p:cTn id="2" dur="indefinite" nodeType="mainSeq">
+                <p:childTnLst>
+                  <p:par>
+                    <p:cTn id="3" fill="hold">
+                      <p:stCondLst>
+                        <p:cond delay="indefinite"/>
+                        <p:cond evt="onBegin" delay="0">
+                          <p:tn val="2"/>
+                        </p:cond>
+                      </p:stCondLst>
+                      <p:childTnLst>
+                        <p:par>
+                          <p:cTn id="4" fill="hold">
+                            <p:stCondLst>
+                              <p:cond delay="0"/>
+                            </p:stCondLst>
+                            <p:childTnLst>
+                              <p:par>
+                                <p:cTn id="5" presetID="2" presetClass="entr" presetSubtype="2" fill="hold" nodeType="withEffect">
+                                  <p:stCondLst>
+                                    <p:cond delay="0"/>
+                                  </p:stCondLst>
+                                  <p:childTnLst>
+                                    <p:set>
+                                      <p:cBhvr>
+                                        <p:cTn id="6" dur="1" fill="hold">
+                                          <p:stCondLst>
+                                            <p:cond delay="0"/>
+                                          </p:stCondLst>
+                                        </p:cTn>
+                                        <p:tgtEl>
+                                          <p:spTgt spid="3"/>
+                                        </p:tgtEl>
+                                        <p:attrNameLst>
+                                          <p:attrName>style.visibility</p:attrName>
+                                        </p:attrNameLst>
+                                      </p:cBhvr>
+                                      <p:to>
+                                        <p:strVal val="visible"/>
+                                      </p:to>
+                                    </p:set>
+                                    <p:anim calcmode="lin" valueType="num">
+                                      <p:cBhvr>
+                                        <p:cTn id="7" dur="500" fill="hold"/>
+                                        <p:tgtEl>
+                                          <p:spTgt spid="3"/>
+                                        </p:tgtEl>
+                                        <p:attrNameLst>
+                                          <p:attrName>ppt_x</p:attrName>
+                                        </p:attrNameLst>
+                                      </p:cBhvr>
+                                      <p:tavLst>
+                                        <p:tav tm="0">
+                                          <p:val>
+                                            <p:strVal val="1+#ppt_w/2"/>
+                                          </p:val>
+                                        </p:tav>
+                                        <p:tav tm="100000">
+                                          <p:val>
+                                            <p:strVal val="#ppt_x"/>
+                                          </p:val>
+                                        </p:tav>
+                                      </p:tavLst>
+                                    </p:anim>
+                                    <p:anim calcmode="lin" valueType="num">
+                                      <p:cBhvr>
+                                        <p:cTn id="8" dur="500" fill="hold"/>
+                                        <p:tgtEl>
+                                          <p:spTgt spid="3"/>
+                                        </p:tgtEl>
+                                        <p:attrNameLst>
+                                          <p:attrName>ppt_y</p:attrName>
+                                        </p:attrNameLst>
+                                      </p:cBhvr>
+                                      <p:tavLst>
+                                        <p:tav tm="0">
+                                          <p:val>
+                                            <p:strVal val="#ppt_y"/>
+                                          </p:val>
+                                        </p:tav>
+                                        <p:tav tm="100000">
+                                          <p:val>
+                                            <p:strVal val="#ppt_y"/>
+                                          </p:val>
+                                        </p:tav>
+                                      </p:tavLst>
+                                    </p:anim>
+                                  </p:childTnLst>
+                                </p:cTn>
+                              </p:par>
+                            </p:childTnLst>
+                          </p:cTn>
+                        </p:par>
+                      </p:childTnLst>
+                    </p:cTn>
+                  </p:par>
+                </p:childTnLst>
+              </p:cTn>
+              <p:prevCondLst>
+                <p:cond evt="onPrev" delay="0">
+                  <p:tgtEl>
+                    <p:sldTgt/>
+                  </p:tgtEl>
+                </p:cond>
+              </p:prevCondLst>
+              <p:nextCondLst>
+                <p:cond evt="onNext" delay="0">
+                  <p:tgtEl>
+                    <p:sldTgt/>
+                  </p:tgtEl>
+                </p:cond>
+              </p:nextCondLst>
+            </p:seq>
+          </p:childTnLst>
+        </p:cTn>
+      </p:par>
+    </p:tnLst>
+  </p:timing>
+</p:sldLayout>
+</file>
+
 <file path=ppt/slideMasters/slideMaster1.xml><?xml version="1.0" encoding="utf-8"?>
 <p:sldMaster xmlns:a="http://schemas.openxmlformats.org/drawingml/2006/main" xmlns:r="http://schemas.openxmlformats.org/officeDocument/2006/relationships" xmlns:p="http://schemas.openxmlformats.org/presentationml/2006/main">
   <p:cSld>
@@ -1995,7 +2975,7 @@
           <p:cNvPr id="4" name="日期占位符 3">
             <a:extLst>
               <a:ext uri="{FF2B5EF4-FFF2-40B4-BE49-F238E27FC236}">
-                <a16:creationId xmlns="" xmlns:a16="http://schemas.microsoft.com/office/drawing/2014/main" id="{58A0994D-2D8C-4B48-B536-1C62EFC8B441}"/>
+                <a16:creationId xmlns:a16="http://schemas.microsoft.com/office/drawing/2014/main" xmlns="" id="{58A0994D-2D8C-4B48-B536-1C62EFC8B441}"/>
               </a:ext>
             </a:extLst>
           </p:cNvPr>
@@ -2041,7 +3021,7 @@
               <a:pPr>
                 <a:defRPr/>
               </a:pPr>
-              <a:t>2021/1/18</a:t>
+              <a:t>2021/1/19</a:t>
             </a:fld>
             <a:endParaRPr lang="zh-CN" altLang="en-US"/>
           </a:p>
@@ -2052,7 +3032,7 @@
           <p:cNvPr id="5" name="页脚占位符 4">
             <a:extLst>
               <a:ext uri="{FF2B5EF4-FFF2-40B4-BE49-F238E27FC236}">
-                <a16:creationId xmlns="" xmlns:a16="http://schemas.microsoft.com/office/drawing/2014/main" id="{E7B6CA8B-6B28-4291-8F8F-95D1C2210AB9}"/>
+                <a16:creationId xmlns:a16="http://schemas.microsoft.com/office/drawing/2014/main" xmlns="" id="{E7B6CA8B-6B28-4291-8F8F-95D1C2210AB9}"/>
               </a:ext>
             </a:extLst>
           </p:cNvPr>
@@ -2100,7 +3080,7 @@
           <p:cNvPr id="6" name="灯片编号占位符 5">
             <a:extLst>
               <a:ext uri="{FF2B5EF4-FFF2-40B4-BE49-F238E27FC236}">
-                <a16:creationId xmlns="" xmlns:a16="http://schemas.microsoft.com/office/drawing/2014/main" id="{61A50C38-6FB6-4681-AEEE-1725A1D30B36}"/>
+                <a16:creationId xmlns:a16="http://schemas.microsoft.com/office/drawing/2014/main" xmlns="" id="{61A50C38-6FB6-4681-AEEE-1725A1D30B36}"/>
               </a:ext>
             </a:extLst>
           </p:cNvPr>
@@ -2156,7 +3136,7 @@
           <p:nvPr userDrawn="1"/>
         </p:nvPicPr>
         <p:blipFill>
-          <a:blip r:embed="rId4">
+          <a:blip r:embed="rId5">
             <a:extLst>
               <a:ext uri="{28A0092B-C50C-407E-A947-70E740481C1C}">
                 <a14:useLocalDpi xmlns:a14="http://schemas.microsoft.com/office/drawing/2010/main" val="0"/>
@@ -2207,6 +3187,7 @@
   <p:sldLayoutIdLst>
     <p:sldLayoutId id="2147483879" r:id="rId1"/>
     <p:sldLayoutId id="2147483881" r:id="rId2"/>
+    <p:sldLayoutId id="2147483882" r:id="rId3"/>
   </p:sldLayoutIdLst>
   <p:transition/>
   <p:timing>
@@ -5314,6 +6295,1499 @@
 </p:sld>
 </file>
 
+<file path=ppt/slides/slide2.xml><?xml version="1.0" encoding="utf-8"?>
+<p:sld xmlns:a="http://schemas.openxmlformats.org/drawingml/2006/main" xmlns:r="http://schemas.openxmlformats.org/officeDocument/2006/relationships" xmlns:p="http://schemas.openxmlformats.org/presentationml/2006/main">
+  <p:cSld>
+    <p:spTree>
+      <p:nvGrpSpPr>
+        <p:cNvPr id="1" name=""/>
+        <p:cNvGrpSpPr/>
+        <p:nvPr/>
+      </p:nvGrpSpPr>
+      <p:grpSpPr>
+        <a:xfrm>
+          <a:off x="0" y="0"/>
+          <a:ext cx="0" cy="0"/>
+          <a:chOff x="0" y="0"/>
+          <a:chExt cx="0" cy="0"/>
+        </a:xfrm>
+      </p:grpSpPr>
+      <p:pic>
+        <p:nvPicPr>
+          <p:cNvPr id="9219" name="图片 2"/>
+          <p:cNvPicPr>
+            <a:picLocks noChangeAspect="1" noChangeArrowheads="1"/>
+          </p:cNvPicPr>
+          <p:nvPr/>
+        </p:nvPicPr>
+        <p:blipFill>
+          <a:blip r:embed="rId2">
+            <a:extLst>
+              <a:ext uri="{28A0092B-C50C-407E-A947-70E740481C1C}">
+                <a14:useLocalDpi xmlns:a14="http://schemas.microsoft.com/office/drawing/2010/main" val="0"/>
+              </a:ext>
+            </a:extLst>
+          </a:blip>
+          <a:srcRect/>
+          <a:stretch>
+            <a:fillRect/>
+          </a:stretch>
+        </p:blipFill>
+        <p:spPr bwMode="auto">
+          <a:xfrm>
+            <a:off x="3960813" y="1898650"/>
+            <a:ext cx="4622800" cy="3059113"/>
+          </a:xfrm>
+          <a:prstGeom prst="rect">
+            <a:avLst/>
+          </a:prstGeom>
+          <a:noFill/>
+          <a:ln>
+            <a:noFill/>
+          </a:ln>
+          <a:extLst>
+            <a:ext uri="{909E8E84-426E-40DD-AFC4-6F175D3DCCD1}">
+              <a14:hiddenFill xmlns:a14="http://schemas.microsoft.com/office/drawing/2010/main">
+                <a:solidFill>
+                  <a:srgbClr val="FFFFFF"/>
+                </a:solidFill>
+              </a14:hiddenFill>
+            </a:ext>
+            <a:ext uri="{91240B29-F687-4F45-9708-019B960494DF}">
+              <a14:hiddenLine xmlns:a14="http://schemas.microsoft.com/office/drawing/2010/main" w="9525">
+                <a:solidFill>
+                  <a:srgbClr val="000000"/>
+                </a:solidFill>
+                <a:miter lim="800000"/>
+                <a:headEnd/>
+                <a:tailEnd/>
+              </a14:hiddenLine>
+            </a:ext>
+          </a:extLst>
+        </p:spPr>
+      </p:pic>
+      <p:grpSp>
+        <p:nvGrpSpPr>
+          <p:cNvPr id="9220" name="组合 3"/>
+          <p:cNvGrpSpPr>
+            <a:grpSpLocks/>
+          </p:cNvGrpSpPr>
+          <p:nvPr/>
+        </p:nvGrpSpPr>
+        <p:grpSpPr bwMode="auto">
+          <a:xfrm>
+            <a:off x="398463" y="3386138"/>
+            <a:ext cx="3814762" cy="611187"/>
+            <a:chOff x="230895" y="130347"/>
+            <a:chExt cx="4560847" cy="963251"/>
+          </a:xfrm>
+        </p:grpSpPr>
+        <p:sp>
+          <p:nvSpPr>
+            <p:cNvPr id="9" name="任意多边形: 形状 8">
+              <a:extLst>
+                <a:ext uri="{FF2B5EF4-FFF2-40B4-BE49-F238E27FC236}">
+                  <a16:creationId xmlns:a16="http://schemas.microsoft.com/office/drawing/2014/main" xmlns="" id="{2C55FDD1-5F6B-47AE-82C1-5C4C5479E307}"/>
+                </a:ext>
+              </a:extLst>
+            </p:cNvPr>
+            <p:cNvSpPr/>
+            <p:nvPr/>
+          </p:nvSpPr>
+          <p:spPr>
+            <a:xfrm>
+              <a:off x="1496848" y="538165"/>
+              <a:ext cx="3294894" cy="75059"/>
+            </a:xfrm>
+            <a:custGeom>
+              <a:avLst/>
+              <a:gdLst>
+                <a:gd name="connsiteX0" fmla="*/ 0 w 9877777"/>
+                <a:gd name="connsiteY0" fmla="*/ 284617 h 420929"/>
+                <a:gd name="connsiteX1" fmla="*/ 620889 w 9877777"/>
+                <a:gd name="connsiteY1" fmla="*/ 115284 h 420929"/>
+                <a:gd name="connsiteX2" fmla="*/ 2302933 w 9877777"/>
+                <a:gd name="connsiteY2" fmla="*/ 420084 h 420929"/>
+                <a:gd name="connsiteX3" fmla="*/ 4696177 w 9877777"/>
+                <a:gd name="connsiteY3" fmla="*/ 2395 h 420929"/>
+                <a:gd name="connsiteX4" fmla="*/ 6886222 w 9877777"/>
+                <a:gd name="connsiteY4" fmla="*/ 250751 h 420929"/>
+                <a:gd name="connsiteX5" fmla="*/ 9098844 w 9877777"/>
+                <a:gd name="connsiteY5" fmla="*/ 284617 h 420929"/>
+                <a:gd name="connsiteX6" fmla="*/ 9877777 w 9877777"/>
+                <a:gd name="connsiteY6" fmla="*/ 149151 h 420929"/>
+                <a:gd name="connsiteX0-1" fmla="*/ 0 w 9877777"/>
+                <a:gd name="connsiteY0-2" fmla="*/ 284617 h 431037"/>
+                <a:gd name="connsiteX1-3" fmla="*/ 595855 w 9877777"/>
+                <a:gd name="connsiteY1-4" fmla="*/ 307195 h 431037"/>
+                <a:gd name="connsiteX2-5" fmla="*/ 2302933 w 9877777"/>
+                <a:gd name="connsiteY2-6" fmla="*/ 420084 h 431037"/>
+                <a:gd name="connsiteX3-7" fmla="*/ 4696177 w 9877777"/>
+                <a:gd name="connsiteY3-8" fmla="*/ 2395 h 431037"/>
+                <a:gd name="connsiteX4-9" fmla="*/ 6886222 w 9877777"/>
+                <a:gd name="connsiteY4-10" fmla="*/ 250751 h 431037"/>
+                <a:gd name="connsiteX5-11" fmla="*/ 9098844 w 9877777"/>
+                <a:gd name="connsiteY5-12" fmla="*/ 284617 h 431037"/>
+                <a:gd name="connsiteX6-13" fmla="*/ 9877777 w 9877777"/>
+                <a:gd name="connsiteY6-14" fmla="*/ 149151 h 431037"/>
+                <a:gd name="connsiteX0-15" fmla="*/ 0 w 9915328"/>
+                <a:gd name="connsiteY0-16" fmla="*/ 194306 h 431977"/>
+                <a:gd name="connsiteX1-17" fmla="*/ 633406 w 9915328"/>
+                <a:gd name="connsiteY1-18" fmla="*/ 307195 h 431977"/>
+                <a:gd name="connsiteX2-19" fmla="*/ 2340484 w 9915328"/>
+                <a:gd name="connsiteY2-20" fmla="*/ 420084 h 431977"/>
+                <a:gd name="connsiteX3-21" fmla="*/ 4733728 w 9915328"/>
+                <a:gd name="connsiteY3-22" fmla="*/ 2395 h 431977"/>
+                <a:gd name="connsiteX4-23" fmla="*/ 6923773 w 9915328"/>
+                <a:gd name="connsiteY4-24" fmla="*/ 250751 h 431977"/>
+                <a:gd name="connsiteX5-25" fmla="*/ 9136395 w 9915328"/>
+                <a:gd name="connsiteY5-26" fmla="*/ 284617 h 431977"/>
+                <a:gd name="connsiteX6-27" fmla="*/ 9915328 w 9915328"/>
+                <a:gd name="connsiteY6-28" fmla="*/ 149151 h 431977"/>
+                <a:gd name="connsiteX0-29" fmla="*/ 0 w 9915328"/>
+                <a:gd name="connsiteY0-30" fmla="*/ 194306 h 431977"/>
+                <a:gd name="connsiteX1-31" fmla="*/ 633406 w 9915328"/>
+                <a:gd name="connsiteY1-32" fmla="*/ 307195 h 431977"/>
+                <a:gd name="connsiteX2-33" fmla="*/ 2340484 w 9915328"/>
+                <a:gd name="connsiteY2-34" fmla="*/ 420084 h 431977"/>
+                <a:gd name="connsiteX3-35" fmla="*/ 4733728 w 9915328"/>
+                <a:gd name="connsiteY3-36" fmla="*/ 2395 h 431977"/>
+                <a:gd name="connsiteX4-37" fmla="*/ 6923773 w 9915328"/>
+                <a:gd name="connsiteY4-38" fmla="*/ 250751 h 431977"/>
+                <a:gd name="connsiteX5-39" fmla="*/ 9136395 w 9915328"/>
+                <a:gd name="connsiteY5-40" fmla="*/ 284617 h 431977"/>
+                <a:gd name="connsiteX6-41" fmla="*/ 9915328 w 9915328"/>
+                <a:gd name="connsiteY6-42" fmla="*/ 149151 h 431977"/>
+                <a:gd name="connsiteX0-43" fmla="*/ 0 w 9915328"/>
+                <a:gd name="connsiteY0-44" fmla="*/ 60818 h 291409"/>
+                <a:gd name="connsiteX1-45" fmla="*/ 633406 w 9915328"/>
+                <a:gd name="connsiteY1-46" fmla="*/ 173707 h 291409"/>
+                <a:gd name="connsiteX2-47" fmla="*/ 2340484 w 9915328"/>
+                <a:gd name="connsiteY2-48" fmla="*/ 286596 h 291409"/>
+                <a:gd name="connsiteX3-49" fmla="*/ 5071684 w 9915328"/>
+                <a:gd name="connsiteY3-50" fmla="*/ 4374 h 291409"/>
+                <a:gd name="connsiteX4-51" fmla="*/ 6923773 w 9915328"/>
+                <a:gd name="connsiteY4-52" fmla="*/ 117263 h 291409"/>
+                <a:gd name="connsiteX5-53" fmla="*/ 9136395 w 9915328"/>
+                <a:gd name="connsiteY5-54" fmla="*/ 151129 h 291409"/>
+                <a:gd name="connsiteX6-55" fmla="*/ 9915328 w 9915328"/>
+                <a:gd name="connsiteY6-56" fmla="*/ 15663 h 291409"/>
+                <a:gd name="connsiteX0-57" fmla="*/ 0 w 9915328"/>
+                <a:gd name="connsiteY0-58" fmla="*/ 163495 h 394086"/>
+                <a:gd name="connsiteX1-59" fmla="*/ 633406 w 9915328"/>
+                <a:gd name="connsiteY1-60" fmla="*/ 276384 h 394086"/>
+                <a:gd name="connsiteX2-61" fmla="*/ 2340484 w 9915328"/>
+                <a:gd name="connsiteY2-62" fmla="*/ 389273 h 394086"/>
+                <a:gd name="connsiteX3-63" fmla="*/ 5071684 w 9915328"/>
+                <a:gd name="connsiteY3-64" fmla="*/ 107051 h 394086"/>
+                <a:gd name="connsiteX4-65" fmla="*/ 6986358 w 9915328"/>
+                <a:gd name="connsiteY4-66" fmla="*/ 5451 h 394086"/>
+                <a:gd name="connsiteX5-67" fmla="*/ 9136395 w 9915328"/>
+                <a:gd name="connsiteY5-68" fmla="*/ 253806 h 394086"/>
+                <a:gd name="connsiteX6-69" fmla="*/ 9915328 w 9915328"/>
+                <a:gd name="connsiteY6-70" fmla="*/ 118340 h 394086"/>
+                <a:gd name="connsiteX0-71" fmla="*/ 0 w 9915328"/>
+                <a:gd name="connsiteY0-72" fmla="*/ 179002 h 409593"/>
+                <a:gd name="connsiteX1-73" fmla="*/ 633406 w 9915328"/>
+                <a:gd name="connsiteY1-74" fmla="*/ 291891 h 409593"/>
+                <a:gd name="connsiteX2-75" fmla="*/ 2340484 w 9915328"/>
+                <a:gd name="connsiteY2-76" fmla="*/ 404780 h 409593"/>
+                <a:gd name="connsiteX3-77" fmla="*/ 5071684 w 9915328"/>
+                <a:gd name="connsiteY3-78" fmla="*/ 122558 h 409593"/>
+                <a:gd name="connsiteX4-79" fmla="*/ 6986358 w 9915328"/>
+                <a:gd name="connsiteY4-80" fmla="*/ 20958 h 409593"/>
+                <a:gd name="connsiteX5-81" fmla="*/ 9136395 w 9915328"/>
+                <a:gd name="connsiteY5-82" fmla="*/ 9669 h 409593"/>
+                <a:gd name="connsiteX6-83" fmla="*/ 9915328 w 9915328"/>
+                <a:gd name="connsiteY6-84" fmla="*/ 133847 h 409593"/>
+                <a:gd name="connsiteX0-85" fmla="*/ 0 w 9915328"/>
+                <a:gd name="connsiteY0-86" fmla="*/ 198509 h 429100"/>
+                <a:gd name="connsiteX1-87" fmla="*/ 633406 w 9915328"/>
+                <a:gd name="connsiteY1-88" fmla="*/ 311398 h 429100"/>
+                <a:gd name="connsiteX2-89" fmla="*/ 2340484 w 9915328"/>
+                <a:gd name="connsiteY2-90" fmla="*/ 424287 h 429100"/>
+                <a:gd name="connsiteX3-91" fmla="*/ 5071684 w 9915328"/>
+                <a:gd name="connsiteY3-92" fmla="*/ 142065 h 429100"/>
+                <a:gd name="connsiteX4-93" fmla="*/ 6986358 w 9915328"/>
+                <a:gd name="connsiteY4-94" fmla="*/ 40465 h 429100"/>
+                <a:gd name="connsiteX5-95" fmla="*/ 9136395 w 9915328"/>
+                <a:gd name="connsiteY5-96" fmla="*/ 29176 h 429100"/>
+                <a:gd name="connsiteX6-97" fmla="*/ 9915328 w 9915328"/>
+                <a:gd name="connsiteY6-98" fmla="*/ 153354 h 429100"/>
+                <a:gd name="connsiteX0-99" fmla="*/ 0 w 9915328"/>
+                <a:gd name="connsiteY0-100" fmla="*/ 158109 h 388700"/>
+                <a:gd name="connsiteX1-101" fmla="*/ 633406 w 9915328"/>
+                <a:gd name="connsiteY1-102" fmla="*/ 270998 h 388700"/>
+                <a:gd name="connsiteX2-103" fmla="*/ 2340484 w 9915328"/>
+                <a:gd name="connsiteY2-104" fmla="*/ 383887 h 388700"/>
+                <a:gd name="connsiteX3-105" fmla="*/ 5071684 w 9915328"/>
+                <a:gd name="connsiteY3-106" fmla="*/ 101665 h 388700"/>
+                <a:gd name="connsiteX4-107" fmla="*/ 6986358 w 9915328"/>
+                <a:gd name="connsiteY4-108" fmla="*/ 65 h 388700"/>
+                <a:gd name="connsiteX5-109" fmla="*/ 8835990 w 9915328"/>
+                <a:gd name="connsiteY5-110" fmla="*/ 112954 h 388700"/>
+                <a:gd name="connsiteX6-111" fmla="*/ 9915328 w 9915328"/>
+                <a:gd name="connsiteY6-112" fmla="*/ 112954 h 388700"/>
+                <a:gd name="connsiteX0-113" fmla="*/ 0 w 9915328"/>
+                <a:gd name="connsiteY0-114" fmla="*/ 158569 h 385714"/>
+                <a:gd name="connsiteX1-115" fmla="*/ 633406 w 9915328"/>
+                <a:gd name="connsiteY1-116" fmla="*/ 271458 h 385714"/>
+                <a:gd name="connsiteX2-117" fmla="*/ 2340484 w 9915328"/>
+                <a:gd name="connsiteY2-118" fmla="*/ 384347 h 385714"/>
+                <a:gd name="connsiteX3-119" fmla="*/ 5270277 w 9915328"/>
+                <a:gd name="connsiteY3-120" fmla="*/ 191025 h 385714"/>
+                <a:gd name="connsiteX4-121" fmla="*/ 6986358 w 9915328"/>
+                <a:gd name="connsiteY4-122" fmla="*/ 525 h 385714"/>
+                <a:gd name="connsiteX5-123" fmla="*/ 8835990 w 9915328"/>
+                <a:gd name="connsiteY5-124" fmla="*/ 113414 h 385714"/>
+                <a:gd name="connsiteX6-125" fmla="*/ 9915328 w 9915328"/>
+                <a:gd name="connsiteY6-126" fmla="*/ 113414 h 385714"/>
+                <a:gd name="connsiteX0-127" fmla="*/ 0 w 9915328"/>
+                <a:gd name="connsiteY0-128" fmla="*/ 158569 h 323756"/>
+                <a:gd name="connsiteX1-129" fmla="*/ 633406 w 9915328"/>
+                <a:gd name="connsiteY1-130" fmla="*/ 271458 h 323756"/>
+                <a:gd name="connsiteX2-131" fmla="*/ 2340484 w 9915328"/>
+                <a:gd name="connsiteY2-132" fmla="*/ 320847 h 323756"/>
+                <a:gd name="connsiteX3-133" fmla="*/ 5270277 w 9915328"/>
+                <a:gd name="connsiteY3-134" fmla="*/ 191025 h 323756"/>
+                <a:gd name="connsiteX4-135" fmla="*/ 6986358 w 9915328"/>
+                <a:gd name="connsiteY4-136" fmla="*/ 525 h 323756"/>
+                <a:gd name="connsiteX5-137" fmla="*/ 8835990 w 9915328"/>
+                <a:gd name="connsiteY5-138" fmla="*/ 113414 h 323756"/>
+                <a:gd name="connsiteX6-139" fmla="*/ 9915328 w 9915328"/>
+                <a:gd name="connsiteY6-140" fmla="*/ 113414 h 323756"/>
+                <a:gd name="connsiteX0-141" fmla="*/ 0 w 9915328"/>
+                <a:gd name="connsiteY0-142" fmla="*/ 95979 h 261166"/>
+                <a:gd name="connsiteX1-143" fmla="*/ 633406 w 9915328"/>
+                <a:gd name="connsiteY1-144" fmla="*/ 208868 h 261166"/>
+                <a:gd name="connsiteX2-145" fmla="*/ 2340484 w 9915328"/>
+                <a:gd name="connsiteY2-146" fmla="*/ 258257 h 261166"/>
+                <a:gd name="connsiteX3-147" fmla="*/ 5270277 w 9915328"/>
+                <a:gd name="connsiteY3-148" fmla="*/ 128435 h 261166"/>
+                <a:gd name="connsiteX4-149" fmla="*/ 8835990 w 9915328"/>
+                <a:gd name="connsiteY4-150" fmla="*/ 50824 h 261166"/>
+                <a:gd name="connsiteX5-151" fmla="*/ 9915328 w 9915328"/>
+                <a:gd name="connsiteY5-152" fmla="*/ 50824 h 261166"/>
+                <a:gd name="connsiteX0-153" fmla="*/ 0 w 9915328"/>
+                <a:gd name="connsiteY0-154" fmla="*/ 201048 h 366235"/>
+                <a:gd name="connsiteX1-155" fmla="*/ 633406 w 9915328"/>
+                <a:gd name="connsiteY1-156" fmla="*/ 313937 h 366235"/>
+                <a:gd name="connsiteX2-157" fmla="*/ 2340484 w 9915328"/>
+                <a:gd name="connsiteY2-158" fmla="*/ 363326 h 366235"/>
+                <a:gd name="connsiteX3-159" fmla="*/ 5270277 w 9915328"/>
+                <a:gd name="connsiteY3-160" fmla="*/ 233504 h 366235"/>
+                <a:gd name="connsiteX4-161" fmla="*/ 7659714 w 9915328"/>
+                <a:gd name="connsiteY4-162" fmla="*/ 28893 h 366235"/>
+                <a:gd name="connsiteX5-163" fmla="*/ 9915328 w 9915328"/>
+                <a:gd name="connsiteY5-164" fmla="*/ 155893 h 366235"/>
+                <a:gd name="connsiteX0-165" fmla="*/ 0 w 9915328"/>
+                <a:gd name="connsiteY0-166" fmla="*/ 173629 h 338816"/>
+                <a:gd name="connsiteX1-167" fmla="*/ 633406 w 9915328"/>
+                <a:gd name="connsiteY1-168" fmla="*/ 286518 h 338816"/>
+                <a:gd name="connsiteX2-169" fmla="*/ 2340484 w 9915328"/>
+                <a:gd name="connsiteY2-170" fmla="*/ 335907 h 338816"/>
+                <a:gd name="connsiteX3-171" fmla="*/ 5270277 w 9915328"/>
+                <a:gd name="connsiteY3-172" fmla="*/ 206085 h 338816"/>
+                <a:gd name="connsiteX4-173" fmla="*/ 7659714 w 9915328"/>
+                <a:gd name="connsiteY4-174" fmla="*/ 1474 h 338816"/>
+                <a:gd name="connsiteX5-175" fmla="*/ 9915328 w 9915328"/>
+                <a:gd name="connsiteY5-176" fmla="*/ 128474 h 338816"/>
+                <a:gd name="connsiteX0-177" fmla="*/ 0 w 10190302"/>
+                <a:gd name="connsiteY0-178" fmla="*/ 174097 h 339284"/>
+                <a:gd name="connsiteX1-179" fmla="*/ 633406 w 10190302"/>
+                <a:gd name="connsiteY1-180" fmla="*/ 286986 h 339284"/>
+                <a:gd name="connsiteX2-181" fmla="*/ 2340484 w 10190302"/>
+                <a:gd name="connsiteY2-182" fmla="*/ 336375 h 339284"/>
+                <a:gd name="connsiteX3-183" fmla="*/ 5270277 w 10190302"/>
+                <a:gd name="connsiteY3-184" fmla="*/ 206553 h 339284"/>
+                <a:gd name="connsiteX4-185" fmla="*/ 7659714 w 10190302"/>
+                <a:gd name="connsiteY4-186" fmla="*/ 1942 h 339284"/>
+                <a:gd name="connsiteX5-187" fmla="*/ 10190302 w 10190302"/>
+                <a:gd name="connsiteY5-188" fmla="*/ 103542 h 339284"/>
+                <a:gd name="connsiteX0-189" fmla="*/ 0 w 10129197"/>
+                <a:gd name="connsiteY0-190" fmla="*/ 85197 h 340405"/>
+                <a:gd name="connsiteX1-191" fmla="*/ 572301 w 10129197"/>
+                <a:gd name="connsiteY1-192" fmla="*/ 286986 h 340405"/>
+                <a:gd name="connsiteX2-193" fmla="*/ 2279379 w 10129197"/>
+                <a:gd name="connsiteY2-194" fmla="*/ 336375 h 340405"/>
+                <a:gd name="connsiteX3-195" fmla="*/ 5209172 w 10129197"/>
+                <a:gd name="connsiteY3-196" fmla="*/ 206553 h 340405"/>
+                <a:gd name="connsiteX4-197" fmla="*/ 7598609 w 10129197"/>
+                <a:gd name="connsiteY4-198" fmla="*/ 1942 h 340405"/>
+                <a:gd name="connsiteX5-199" fmla="*/ 10129197 w 10129197"/>
+                <a:gd name="connsiteY5-200" fmla="*/ 103542 h 340405"/>
+                <a:gd name="connsiteX0-201" fmla="*/ 0 w 10129197"/>
+                <a:gd name="connsiteY0-202" fmla="*/ 85197 h 340405"/>
+                <a:gd name="connsiteX1-203" fmla="*/ 572301 w 10129197"/>
+                <a:gd name="connsiteY1-204" fmla="*/ 286986 h 340405"/>
+                <a:gd name="connsiteX2-205" fmla="*/ 2279379 w 10129197"/>
+                <a:gd name="connsiteY2-206" fmla="*/ 336375 h 340405"/>
+                <a:gd name="connsiteX3-207" fmla="*/ 5209172 w 10129197"/>
+                <a:gd name="connsiteY3-208" fmla="*/ 206553 h 340405"/>
+                <a:gd name="connsiteX4-209" fmla="*/ 7598609 w 10129197"/>
+                <a:gd name="connsiteY4-210" fmla="*/ 1942 h 340405"/>
+                <a:gd name="connsiteX5-211" fmla="*/ 10129197 w 10129197"/>
+                <a:gd name="connsiteY5-212" fmla="*/ 103542 h 340405"/>
+                <a:gd name="connsiteX0-213" fmla="*/ 0 w 10129197"/>
+                <a:gd name="connsiteY0-214" fmla="*/ 85197 h 339169"/>
+                <a:gd name="connsiteX1-215" fmla="*/ 2279379 w 10129197"/>
+                <a:gd name="connsiteY1-216" fmla="*/ 336375 h 339169"/>
+                <a:gd name="connsiteX2-217" fmla="*/ 5209172 w 10129197"/>
+                <a:gd name="connsiteY2-218" fmla="*/ 206553 h 339169"/>
+                <a:gd name="connsiteX3-219" fmla="*/ 7598609 w 10129197"/>
+                <a:gd name="connsiteY3-220" fmla="*/ 1942 h 339169"/>
+                <a:gd name="connsiteX4-221" fmla="*/ 10129197 w 10129197"/>
+                <a:gd name="connsiteY4-222" fmla="*/ 103542 h 339169"/>
+                <a:gd name="connsiteX0-223" fmla="*/ 0 w 10129197"/>
+                <a:gd name="connsiteY0-224" fmla="*/ 85197 h 339169"/>
+                <a:gd name="connsiteX1-225" fmla="*/ 2279379 w 10129197"/>
+                <a:gd name="connsiteY1-226" fmla="*/ 336375 h 339169"/>
+                <a:gd name="connsiteX2-227" fmla="*/ 5209172 w 10129197"/>
+                <a:gd name="connsiteY2-228" fmla="*/ 206553 h 339169"/>
+                <a:gd name="connsiteX3-229" fmla="*/ 7598609 w 10129197"/>
+                <a:gd name="connsiteY3-230" fmla="*/ 1942 h 339169"/>
+                <a:gd name="connsiteX4-231" fmla="*/ 10129197 w 10129197"/>
+                <a:gd name="connsiteY4-232" fmla="*/ 103542 h 339169"/>
+                <a:gd name="connsiteX0-233" fmla="*/ 0 w 10129197"/>
+                <a:gd name="connsiteY0-234" fmla="*/ 118179 h 372151"/>
+                <a:gd name="connsiteX1-235" fmla="*/ 2279379 w 10129197"/>
+                <a:gd name="connsiteY1-236" fmla="*/ 369357 h 372151"/>
+                <a:gd name="connsiteX2-237" fmla="*/ 5209172 w 10129197"/>
+                <a:gd name="connsiteY2-238" fmla="*/ 239535 h 372151"/>
+                <a:gd name="connsiteX3-239" fmla="*/ 7598609 w 10129197"/>
+                <a:gd name="connsiteY3-240" fmla="*/ 34924 h 372151"/>
+                <a:gd name="connsiteX4-241" fmla="*/ 10129197 w 10129197"/>
+                <a:gd name="connsiteY4-242" fmla="*/ 9524 h 372151"/>
+                <a:gd name="connsiteX0-243" fmla="*/ 0 w 10129197"/>
+                <a:gd name="connsiteY0-244" fmla="*/ 108656 h 362734"/>
+                <a:gd name="connsiteX1-245" fmla="*/ 2279379 w 10129197"/>
+                <a:gd name="connsiteY1-246" fmla="*/ 359834 h 362734"/>
+                <a:gd name="connsiteX2-247" fmla="*/ 5209172 w 10129197"/>
+                <a:gd name="connsiteY2-248" fmla="*/ 230012 h 362734"/>
+                <a:gd name="connsiteX3-249" fmla="*/ 10129197 w 10129197"/>
+                <a:gd name="connsiteY3-250" fmla="*/ 1 h 362734"/>
+                <a:gd name="connsiteX0-251" fmla="*/ 0 w 8153512"/>
+                <a:gd name="connsiteY0-252" fmla="*/ 149619 h 403884"/>
+                <a:gd name="connsiteX1-253" fmla="*/ 2279379 w 8153512"/>
+                <a:gd name="connsiteY1-254" fmla="*/ 400797 h 403884"/>
+                <a:gd name="connsiteX2-255" fmla="*/ 5209172 w 8153512"/>
+                <a:gd name="connsiteY2-256" fmla="*/ 270975 h 403884"/>
+                <a:gd name="connsiteX3-257" fmla="*/ 8153512 w 8153512"/>
+                <a:gd name="connsiteY3-258" fmla="*/ 0 h 403884"/>
+                <a:gd name="connsiteX0-259" fmla="*/ 0 w 8320471"/>
+                <a:gd name="connsiteY0-260" fmla="*/ 36968 h 290765"/>
+                <a:gd name="connsiteX1-261" fmla="*/ 2279379 w 8320471"/>
+                <a:gd name="connsiteY1-262" fmla="*/ 288146 h 290765"/>
+                <a:gd name="connsiteX2-263" fmla="*/ 5209172 w 8320471"/>
+                <a:gd name="connsiteY2-264" fmla="*/ 158324 h 290765"/>
+                <a:gd name="connsiteX3-265" fmla="*/ 8320471 w 8320471"/>
+                <a:gd name="connsiteY3-266" fmla="*/ 0 h 290765"/>
+                <a:gd name="connsiteX0-267" fmla="*/ 0 w 8320471"/>
+                <a:gd name="connsiteY0-268" fmla="*/ 36968 h 292812"/>
+                <a:gd name="connsiteX1-269" fmla="*/ 2279379 w 8320471"/>
+                <a:gd name="connsiteY1-270" fmla="*/ 288146 h 292812"/>
+                <a:gd name="connsiteX2-271" fmla="*/ 8320471 w 8320471"/>
+                <a:gd name="connsiteY2-272" fmla="*/ 0 h 292812"/>
+                <a:gd name="connsiteX0-273" fmla="*/ 0 w 8320471"/>
+                <a:gd name="connsiteY0-274" fmla="*/ 36968 h 284234"/>
+                <a:gd name="connsiteX1-275" fmla="*/ 2752431 w 8320471"/>
+                <a:gd name="connsiteY1-276" fmla="*/ 277905 h 284234"/>
+                <a:gd name="connsiteX2-277" fmla="*/ 8320471 w 8320471"/>
+                <a:gd name="connsiteY2-278" fmla="*/ 0 h 284234"/>
+                <a:gd name="connsiteX0-279" fmla="*/ 0 w 8306558"/>
+                <a:gd name="connsiteY0-280" fmla="*/ 47209 h 295214"/>
+                <a:gd name="connsiteX1-281" fmla="*/ 2752431 w 8306558"/>
+                <a:gd name="connsiteY1-282" fmla="*/ 288146 h 295214"/>
+                <a:gd name="connsiteX2-283" fmla="*/ 8306558 w 8306558"/>
+                <a:gd name="connsiteY2-284" fmla="*/ 0 h 295214"/>
+                <a:gd name="connsiteX0-285" fmla="*/ 0 w 8306558"/>
+                <a:gd name="connsiteY0-286" fmla="*/ 47209 h 295214"/>
+                <a:gd name="connsiteX1-287" fmla="*/ 2752431 w 8306558"/>
+                <a:gd name="connsiteY1-288" fmla="*/ 288146 h 295214"/>
+                <a:gd name="connsiteX2-289" fmla="*/ 8306558 w 8306558"/>
+                <a:gd name="connsiteY2-290" fmla="*/ 0 h 295214"/>
+                <a:gd name="connsiteX0-291" fmla="*/ 0 w 7847420"/>
+                <a:gd name="connsiteY0-292" fmla="*/ 36968 h 284234"/>
+                <a:gd name="connsiteX1-293" fmla="*/ 2752431 w 7847420"/>
+                <a:gd name="connsiteY1-294" fmla="*/ 277905 h 284234"/>
+                <a:gd name="connsiteX2-295" fmla="*/ 7847420 w 7847420"/>
+                <a:gd name="connsiteY2-296" fmla="*/ 0 h 284234"/>
+              </a:gdLst>
+              <a:ahLst/>
+              <a:cxnLst>
+                <a:cxn ang="0">
+                  <a:pos x="connsiteX0-1" y="connsiteY0-2"/>
+                </a:cxn>
+                <a:cxn ang="0">
+                  <a:pos x="connsiteX1-3" y="connsiteY1-4"/>
+                </a:cxn>
+                <a:cxn ang="0">
+                  <a:pos x="connsiteX2-5" y="connsiteY2-6"/>
+                </a:cxn>
+              </a:cxnLst>
+              <a:rect l="l" t="t" r="r" b="b"/>
+              <a:pathLst>
+                <a:path w="7847420" h="284234">
+                  <a:moveTo>
+                    <a:pt x="0" y="36968"/>
+                  </a:moveTo>
+                  <a:cubicBezTo>
+                    <a:pt x="245726" y="330597"/>
+                    <a:pt x="1444528" y="284066"/>
+                    <a:pt x="2752431" y="277905"/>
+                  </a:cubicBezTo>
+                  <a:cubicBezTo>
+                    <a:pt x="4060334" y="271744"/>
+                    <a:pt x="6588860" y="131718"/>
+                    <a:pt x="7847420" y="0"/>
+                  </a:cubicBezTo>
+                </a:path>
+              </a:pathLst>
+            </a:custGeom>
+            <a:noFill/>
+            <a:ln>
+              <a:solidFill>
+                <a:schemeClr val="tx1">
+                  <a:lumMod val="65000"/>
+                  <a:lumOff val="35000"/>
+                </a:schemeClr>
+              </a:solidFill>
+              <a:prstDash val="dash"/>
+            </a:ln>
+          </p:spPr>
+          <p:style>
+            <a:lnRef idx="2">
+              <a:schemeClr val="accent1">
+                <a:shade val="50000"/>
+              </a:schemeClr>
+            </a:lnRef>
+            <a:fillRef idx="1">
+              <a:schemeClr val="accent1"/>
+            </a:fillRef>
+            <a:effectRef idx="0">
+              <a:schemeClr val="accent1"/>
+            </a:effectRef>
+            <a:fontRef idx="minor">
+              <a:schemeClr val="lt1"/>
+            </a:fontRef>
+          </p:style>
+          <p:txBody>
+            <a:bodyPr anchor="ctr"/>
+            <a:lstStyle>
+              <a:defPPr>
+                <a:defRPr lang="zh-CN"/>
+              </a:defPPr>
+              <a:lvl1pPr algn="l" rtl="0" eaLnBrk="0" fontAlgn="base" hangingPunct="0">
+                <a:spcBef>
+                  <a:spcPct val="0"/>
+                </a:spcBef>
+                <a:spcAft>
+                  <a:spcPct val="0"/>
+                </a:spcAft>
+                <a:defRPr kern="1200">
+                  <a:solidFill>
+                    <a:schemeClr val="lt1"/>
+                  </a:solidFill>
+                  <a:latin typeface="+mn-lt"/>
+                  <a:ea typeface="+mn-ea"/>
+                  <a:cs typeface="+mn-cs"/>
+                </a:defRPr>
+              </a:lvl1pPr>
+              <a:lvl2pPr marL="457200" algn="l" rtl="0" eaLnBrk="0" fontAlgn="base" hangingPunct="0">
+                <a:spcBef>
+                  <a:spcPct val="0"/>
+                </a:spcBef>
+                <a:spcAft>
+                  <a:spcPct val="0"/>
+                </a:spcAft>
+                <a:defRPr kern="1200">
+                  <a:solidFill>
+                    <a:schemeClr val="lt1"/>
+                  </a:solidFill>
+                  <a:latin typeface="+mn-lt"/>
+                  <a:ea typeface="+mn-ea"/>
+                  <a:cs typeface="+mn-cs"/>
+                </a:defRPr>
+              </a:lvl2pPr>
+              <a:lvl3pPr marL="914400" algn="l" rtl="0" eaLnBrk="0" fontAlgn="base" hangingPunct="0">
+                <a:spcBef>
+                  <a:spcPct val="0"/>
+                </a:spcBef>
+                <a:spcAft>
+                  <a:spcPct val="0"/>
+                </a:spcAft>
+                <a:defRPr kern="1200">
+                  <a:solidFill>
+                    <a:schemeClr val="lt1"/>
+                  </a:solidFill>
+                  <a:latin typeface="+mn-lt"/>
+                  <a:ea typeface="+mn-ea"/>
+                  <a:cs typeface="+mn-cs"/>
+                </a:defRPr>
+              </a:lvl3pPr>
+              <a:lvl4pPr marL="1371600" algn="l" rtl="0" eaLnBrk="0" fontAlgn="base" hangingPunct="0">
+                <a:spcBef>
+                  <a:spcPct val="0"/>
+                </a:spcBef>
+                <a:spcAft>
+                  <a:spcPct val="0"/>
+                </a:spcAft>
+                <a:defRPr kern="1200">
+                  <a:solidFill>
+                    <a:schemeClr val="lt1"/>
+                  </a:solidFill>
+                  <a:latin typeface="+mn-lt"/>
+                  <a:ea typeface="+mn-ea"/>
+                  <a:cs typeface="+mn-cs"/>
+                </a:defRPr>
+              </a:lvl4pPr>
+              <a:lvl5pPr marL="1828800" algn="l" rtl="0" eaLnBrk="0" fontAlgn="base" hangingPunct="0">
+                <a:spcBef>
+                  <a:spcPct val="0"/>
+                </a:spcBef>
+                <a:spcAft>
+                  <a:spcPct val="0"/>
+                </a:spcAft>
+                <a:defRPr kern="1200">
+                  <a:solidFill>
+                    <a:schemeClr val="lt1"/>
+                  </a:solidFill>
+                  <a:latin typeface="+mn-lt"/>
+                  <a:ea typeface="+mn-ea"/>
+                  <a:cs typeface="+mn-cs"/>
+                </a:defRPr>
+              </a:lvl5pPr>
+              <a:lvl6pPr marL="2286000" algn="l" defTabSz="914400" rtl="0" eaLnBrk="1" latinLnBrk="0" hangingPunct="1">
+                <a:defRPr kern="1200">
+                  <a:solidFill>
+                    <a:schemeClr val="lt1"/>
+                  </a:solidFill>
+                  <a:latin typeface="+mn-lt"/>
+                  <a:ea typeface="+mn-ea"/>
+                  <a:cs typeface="+mn-cs"/>
+                </a:defRPr>
+              </a:lvl6pPr>
+              <a:lvl7pPr marL="2743200" algn="l" defTabSz="914400" rtl="0" eaLnBrk="1" latinLnBrk="0" hangingPunct="1">
+                <a:defRPr kern="1200">
+                  <a:solidFill>
+                    <a:schemeClr val="lt1"/>
+                  </a:solidFill>
+                  <a:latin typeface="+mn-lt"/>
+                  <a:ea typeface="+mn-ea"/>
+                  <a:cs typeface="+mn-cs"/>
+                </a:defRPr>
+              </a:lvl7pPr>
+              <a:lvl8pPr marL="3200400" algn="l" defTabSz="914400" rtl="0" eaLnBrk="1" latinLnBrk="0" hangingPunct="1">
+                <a:defRPr kern="1200">
+                  <a:solidFill>
+                    <a:schemeClr val="lt1"/>
+                  </a:solidFill>
+                  <a:latin typeface="+mn-lt"/>
+                  <a:ea typeface="+mn-ea"/>
+                  <a:cs typeface="+mn-cs"/>
+                </a:defRPr>
+              </a:lvl8pPr>
+              <a:lvl9pPr marL="3657600" algn="l" defTabSz="914400" rtl="0" eaLnBrk="1" latinLnBrk="0" hangingPunct="1">
+                <a:defRPr kern="1200">
+                  <a:solidFill>
+                    <a:schemeClr val="lt1"/>
+                  </a:solidFill>
+                  <a:latin typeface="+mn-lt"/>
+                  <a:ea typeface="+mn-ea"/>
+                  <a:cs typeface="+mn-cs"/>
+                </a:defRPr>
+              </a:lvl9pPr>
+            </a:lstStyle>
+            <a:p>
+              <a:pPr algn="ctr" fontAlgn="auto">
+                <a:defRPr/>
+              </a:pPr>
+              <a:endParaRPr lang="zh-CN" altLang="en-US" noProof="1"/>
+            </a:p>
+          </p:txBody>
+        </p:sp>
+        <p:pic>
+          <p:nvPicPr>
+            <p:cNvPr id="9227" name="图片 9"/>
+            <p:cNvPicPr>
+              <a:picLocks noChangeAspect="1" noChangeArrowheads="1"/>
+            </p:cNvPicPr>
+            <p:nvPr/>
+          </p:nvPicPr>
+          <p:blipFill>
+            <a:blip r:embed="rId3">
+              <a:extLst>
+                <a:ext uri="{28A0092B-C50C-407E-A947-70E740481C1C}">
+                  <a14:useLocalDpi xmlns:a14="http://schemas.microsoft.com/office/drawing/2010/main" val="0"/>
+                </a:ext>
+              </a:extLst>
+            </a:blip>
+            <a:srcRect/>
+            <a:stretch>
+              <a:fillRect/>
+            </a:stretch>
+          </p:blipFill>
+          <p:spPr bwMode="auto">
+            <a:xfrm>
+              <a:off x="230895" y="130347"/>
+              <a:ext cx="1335140" cy="963251"/>
+            </a:xfrm>
+            <a:prstGeom prst="rect">
+              <a:avLst/>
+            </a:prstGeom>
+            <a:noFill/>
+            <a:ln>
+              <a:noFill/>
+            </a:ln>
+            <a:extLst>
+              <a:ext uri="{909E8E84-426E-40DD-AFC4-6F175D3DCCD1}">
+                <a14:hiddenFill xmlns:a14="http://schemas.microsoft.com/office/drawing/2010/main">
+                  <a:solidFill>
+                    <a:srgbClr val="FFFFFF"/>
+                  </a:solidFill>
+                </a14:hiddenFill>
+              </a:ext>
+              <a:ext uri="{91240B29-F687-4F45-9708-019B960494DF}">
+                <a14:hiddenLine xmlns:a14="http://schemas.microsoft.com/office/drawing/2010/main" w="9525">
+                  <a:solidFill>
+                    <a:srgbClr val="000000"/>
+                  </a:solidFill>
+                  <a:miter lim="800000"/>
+                  <a:headEnd/>
+                  <a:tailEnd/>
+                </a14:hiddenLine>
+              </a:ext>
+            </a:extLst>
+          </p:spPr>
+        </p:pic>
+      </p:grpSp>
+      <p:grpSp>
+        <p:nvGrpSpPr>
+          <p:cNvPr id="9221" name="组合 4"/>
+          <p:cNvGrpSpPr>
+            <a:grpSpLocks/>
+          </p:cNvGrpSpPr>
+          <p:nvPr/>
+        </p:nvGrpSpPr>
+        <p:grpSpPr bwMode="auto">
+          <a:xfrm flipH="1">
+            <a:off x="8469313" y="3230563"/>
+            <a:ext cx="3324225" cy="874712"/>
+            <a:chOff x="230895" y="130347"/>
+            <a:chExt cx="3594745" cy="963251"/>
+          </a:xfrm>
+        </p:grpSpPr>
+        <p:sp>
+          <p:nvSpPr>
+            <p:cNvPr id="7" name="任意多边形: 形状 6">
+              <a:extLst>
+                <a:ext uri="{FF2B5EF4-FFF2-40B4-BE49-F238E27FC236}">
+                  <a16:creationId xmlns:a16="http://schemas.microsoft.com/office/drawing/2014/main" xmlns="" id="{DD3F2FBA-E201-48E8-BD65-B531A5E9BE7E}"/>
+                </a:ext>
+              </a:extLst>
+            </p:cNvPr>
+            <p:cNvSpPr/>
+            <p:nvPr/>
+          </p:nvSpPr>
+          <p:spPr>
+            <a:xfrm>
+              <a:off x="1497811" y="539423"/>
+              <a:ext cx="2327829" cy="73424"/>
+            </a:xfrm>
+            <a:custGeom>
+              <a:avLst/>
+              <a:gdLst>
+                <a:gd name="connsiteX0" fmla="*/ 0 w 9877777"/>
+                <a:gd name="connsiteY0" fmla="*/ 284617 h 420929"/>
+                <a:gd name="connsiteX1" fmla="*/ 620889 w 9877777"/>
+                <a:gd name="connsiteY1" fmla="*/ 115284 h 420929"/>
+                <a:gd name="connsiteX2" fmla="*/ 2302933 w 9877777"/>
+                <a:gd name="connsiteY2" fmla="*/ 420084 h 420929"/>
+                <a:gd name="connsiteX3" fmla="*/ 4696177 w 9877777"/>
+                <a:gd name="connsiteY3" fmla="*/ 2395 h 420929"/>
+                <a:gd name="connsiteX4" fmla="*/ 6886222 w 9877777"/>
+                <a:gd name="connsiteY4" fmla="*/ 250751 h 420929"/>
+                <a:gd name="connsiteX5" fmla="*/ 9098844 w 9877777"/>
+                <a:gd name="connsiteY5" fmla="*/ 284617 h 420929"/>
+                <a:gd name="connsiteX6" fmla="*/ 9877777 w 9877777"/>
+                <a:gd name="connsiteY6" fmla="*/ 149151 h 420929"/>
+                <a:gd name="connsiteX0-1" fmla="*/ 0 w 9877777"/>
+                <a:gd name="connsiteY0-2" fmla="*/ 284617 h 431037"/>
+                <a:gd name="connsiteX1-3" fmla="*/ 595855 w 9877777"/>
+                <a:gd name="connsiteY1-4" fmla="*/ 307195 h 431037"/>
+                <a:gd name="connsiteX2-5" fmla="*/ 2302933 w 9877777"/>
+                <a:gd name="connsiteY2-6" fmla="*/ 420084 h 431037"/>
+                <a:gd name="connsiteX3-7" fmla="*/ 4696177 w 9877777"/>
+                <a:gd name="connsiteY3-8" fmla="*/ 2395 h 431037"/>
+                <a:gd name="connsiteX4-9" fmla="*/ 6886222 w 9877777"/>
+                <a:gd name="connsiteY4-10" fmla="*/ 250751 h 431037"/>
+                <a:gd name="connsiteX5-11" fmla="*/ 9098844 w 9877777"/>
+                <a:gd name="connsiteY5-12" fmla="*/ 284617 h 431037"/>
+                <a:gd name="connsiteX6-13" fmla="*/ 9877777 w 9877777"/>
+                <a:gd name="connsiteY6-14" fmla="*/ 149151 h 431037"/>
+                <a:gd name="connsiteX0-15" fmla="*/ 0 w 9915328"/>
+                <a:gd name="connsiteY0-16" fmla="*/ 194306 h 431977"/>
+                <a:gd name="connsiteX1-17" fmla="*/ 633406 w 9915328"/>
+                <a:gd name="connsiteY1-18" fmla="*/ 307195 h 431977"/>
+                <a:gd name="connsiteX2-19" fmla="*/ 2340484 w 9915328"/>
+                <a:gd name="connsiteY2-20" fmla="*/ 420084 h 431977"/>
+                <a:gd name="connsiteX3-21" fmla="*/ 4733728 w 9915328"/>
+                <a:gd name="connsiteY3-22" fmla="*/ 2395 h 431977"/>
+                <a:gd name="connsiteX4-23" fmla="*/ 6923773 w 9915328"/>
+                <a:gd name="connsiteY4-24" fmla="*/ 250751 h 431977"/>
+                <a:gd name="connsiteX5-25" fmla="*/ 9136395 w 9915328"/>
+                <a:gd name="connsiteY5-26" fmla="*/ 284617 h 431977"/>
+                <a:gd name="connsiteX6-27" fmla="*/ 9915328 w 9915328"/>
+                <a:gd name="connsiteY6-28" fmla="*/ 149151 h 431977"/>
+                <a:gd name="connsiteX0-29" fmla="*/ 0 w 9915328"/>
+                <a:gd name="connsiteY0-30" fmla="*/ 194306 h 431977"/>
+                <a:gd name="connsiteX1-31" fmla="*/ 633406 w 9915328"/>
+                <a:gd name="connsiteY1-32" fmla="*/ 307195 h 431977"/>
+                <a:gd name="connsiteX2-33" fmla="*/ 2340484 w 9915328"/>
+                <a:gd name="connsiteY2-34" fmla="*/ 420084 h 431977"/>
+                <a:gd name="connsiteX3-35" fmla="*/ 4733728 w 9915328"/>
+                <a:gd name="connsiteY3-36" fmla="*/ 2395 h 431977"/>
+                <a:gd name="connsiteX4-37" fmla="*/ 6923773 w 9915328"/>
+                <a:gd name="connsiteY4-38" fmla="*/ 250751 h 431977"/>
+                <a:gd name="connsiteX5-39" fmla="*/ 9136395 w 9915328"/>
+                <a:gd name="connsiteY5-40" fmla="*/ 284617 h 431977"/>
+                <a:gd name="connsiteX6-41" fmla="*/ 9915328 w 9915328"/>
+                <a:gd name="connsiteY6-42" fmla="*/ 149151 h 431977"/>
+                <a:gd name="connsiteX0-43" fmla="*/ 0 w 9915328"/>
+                <a:gd name="connsiteY0-44" fmla="*/ 60818 h 291409"/>
+                <a:gd name="connsiteX1-45" fmla="*/ 633406 w 9915328"/>
+                <a:gd name="connsiteY1-46" fmla="*/ 173707 h 291409"/>
+                <a:gd name="connsiteX2-47" fmla="*/ 2340484 w 9915328"/>
+                <a:gd name="connsiteY2-48" fmla="*/ 286596 h 291409"/>
+                <a:gd name="connsiteX3-49" fmla="*/ 5071684 w 9915328"/>
+                <a:gd name="connsiteY3-50" fmla="*/ 4374 h 291409"/>
+                <a:gd name="connsiteX4-51" fmla="*/ 6923773 w 9915328"/>
+                <a:gd name="connsiteY4-52" fmla="*/ 117263 h 291409"/>
+                <a:gd name="connsiteX5-53" fmla="*/ 9136395 w 9915328"/>
+                <a:gd name="connsiteY5-54" fmla="*/ 151129 h 291409"/>
+                <a:gd name="connsiteX6-55" fmla="*/ 9915328 w 9915328"/>
+                <a:gd name="connsiteY6-56" fmla="*/ 15663 h 291409"/>
+                <a:gd name="connsiteX0-57" fmla="*/ 0 w 9915328"/>
+                <a:gd name="connsiteY0-58" fmla="*/ 163495 h 394086"/>
+                <a:gd name="connsiteX1-59" fmla="*/ 633406 w 9915328"/>
+                <a:gd name="connsiteY1-60" fmla="*/ 276384 h 394086"/>
+                <a:gd name="connsiteX2-61" fmla="*/ 2340484 w 9915328"/>
+                <a:gd name="connsiteY2-62" fmla="*/ 389273 h 394086"/>
+                <a:gd name="connsiteX3-63" fmla="*/ 5071684 w 9915328"/>
+                <a:gd name="connsiteY3-64" fmla="*/ 107051 h 394086"/>
+                <a:gd name="connsiteX4-65" fmla="*/ 6986358 w 9915328"/>
+                <a:gd name="connsiteY4-66" fmla="*/ 5451 h 394086"/>
+                <a:gd name="connsiteX5-67" fmla="*/ 9136395 w 9915328"/>
+                <a:gd name="connsiteY5-68" fmla="*/ 253806 h 394086"/>
+                <a:gd name="connsiteX6-69" fmla="*/ 9915328 w 9915328"/>
+                <a:gd name="connsiteY6-70" fmla="*/ 118340 h 394086"/>
+                <a:gd name="connsiteX0-71" fmla="*/ 0 w 9915328"/>
+                <a:gd name="connsiteY0-72" fmla="*/ 179002 h 409593"/>
+                <a:gd name="connsiteX1-73" fmla="*/ 633406 w 9915328"/>
+                <a:gd name="connsiteY1-74" fmla="*/ 291891 h 409593"/>
+                <a:gd name="connsiteX2-75" fmla="*/ 2340484 w 9915328"/>
+                <a:gd name="connsiteY2-76" fmla="*/ 404780 h 409593"/>
+                <a:gd name="connsiteX3-77" fmla="*/ 5071684 w 9915328"/>
+                <a:gd name="connsiteY3-78" fmla="*/ 122558 h 409593"/>
+                <a:gd name="connsiteX4-79" fmla="*/ 6986358 w 9915328"/>
+                <a:gd name="connsiteY4-80" fmla="*/ 20958 h 409593"/>
+                <a:gd name="connsiteX5-81" fmla="*/ 9136395 w 9915328"/>
+                <a:gd name="connsiteY5-82" fmla="*/ 9669 h 409593"/>
+                <a:gd name="connsiteX6-83" fmla="*/ 9915328 w 9915328"/>
+                <a:gd name="connsiteY6-84" fmla="*/ 133847 h 409593"/>
+                <a:gd name="connsiteX0-85" fmla="*/ 0 w 9915328"/>
+                <a:gd name="connsiteY0-86" fmla="*/ 198509 h 429100"/>
+                <a:gd name="connsiteX1-87" fmla="*/ 633406 w 9915328"/>
+                <a:gd name="connsiteY1-88" fmla="*/ 311398 h 429100"/>
+                <a:gd name="connsiteX2-89" fmla="*/ 2340484 w 9915328"/>
+                <a:gd name="connsiteY2-90" fmla="*/ 424287 h 429100"/>
+                <a:gd name="connsiteX3-91" fmla="*/ 5071684 w 9915328"/>
+                <a:gd name="connsiteY3-92" fmla="*/ 142065 h 429100"/>
+                <a:gd name="connsiteX4-93" fmla="*/ 6986358 w 9915328"/>
+                <a:gd name="connsiteY4-94" fmla="*/ 40465 h 429100"/>
+                <a:gd name="connsiteX5-95" fmla="*/ 9136395 w 9915328"/>
+                <a:gd name="connsiteY5-96" fmla="*/ 29176 h 429100"/>
+                <a:gd name="connsiteX6-97" fmla="*/ 9915328 w 9915328"/>
+                <a:gd name="connsiteY6-98" fmla="*/ 153354 h 429100"/>
+                <a:gd name="connsiteX0-99" fmla="*/ 0 w 9915328"/>
+                <a:gd name="connsiteY0-100" fmla="*/ 158109 h 388700"/>
+                <a:gd name="connsiteX1-101" fmla="*/ 633406 w 9915328"/>
+                <a:gd name="connsiteY1-102" fmla="*/ 270998 h 388700"/>
+                <a:gd name="connsiteX2-103" fmla="*/ 2340484 w 9915328"/>
+                <a:gd name="connsiteY2-104" fmla="*/ 383887 h 388700"/>
+                <a:gd name="connsiteX3-105" fmla="*/ 5071684 w 9915328"/>
+                <a:gd name="connsiteY3-106" fmla="*/ 101665 h 388700"/>
+                <a:gd name="connsiteX4-107" fmla="*/ 6986358 w 9915328"/>
+                <a:gd name="connsiteY4-108" fmla="*/ 65 h 388700"/>
+                <a:gd name="connsiteX5-109" fmla="*/ 8835990 w 9915328"/>
+                <a:gd name="connsiteY5-110" fmla="*/ 112954 h 388700"/>
+                <a:gd name="connsiteX6-111" fmla="*/ 9915328 w 9915328"/>
+                <a:gd name="connsiteY6-112" fmla="*/ 112954 h 388700"/>
+                <a:gd name="connsiteX0-113" fmla="*/ 0 w 9915328"/>
+                <a:gd name="connsiteY0-114" fmla="*/ 158569 h 385714"/>
+                <a:gd name="connsiteX1-115" fmla="*/ 633406 w 9915328"/>
+                <a:gd name="connsiteY1-116" fmla="*/ 271458 h 385714"/>
+                <a:gd name="connsiteX2-117" fmla="*/ 2340484 w 9915328"/>
+                <a:gd name="connsiteY2-118" fmla="*/ 384347 h 385714"/>
+                <a:gd name="connsiteX3-119" fmla="*/ 5270277 w 9915328"/>
+                <a:gd name="connsiteY3-120" fmla="*/ 191025 h 385714"/>
+                <a:gd name="connsiteX4-121" fmla="*/ 6986358 w 9915328"/>
+                <a:gd name="connsiteY4-122" fmla="*/ 525 h 385714"/>
+                <a:gd name="connsiteX5-123" fmla="*/ 8835990 w 9915328"/>
+                <a:gd name="connsiteY5-124" fmla="*/ 113414 h 385714"/>
+                <a:gd name="connsiteX6-125" fmla="*/ 9915328 w 9915328"/>
+                <a:gd name="connsiteY6-126" fmla="*/ 113414 h 385714"/>
+                <a:gd name="connsiteX0-127" fmla="*/ 0 w 9915328"/>
+                <a:gd name="connsiteY0-128" fmla="*/ 158569 h 323756"/>
+                <a:gd name="connsiteX1-129" fmla="*/ 633406 w 9915328"/>
+                <a:gd name="connsiteY1-130" fmla="*/ 271458 h 323756"/>
+                <a:gd name="connsiteX2-131" fmla="*/ 2340484 w 9915328"/>
+                <a:gd name="connsiteY2-132" fmla="*/ 320847 h 323756"/>
+                <a:gd name="connsiteX3-133" fmla="*/ 5270277 w 9915328"/>
+                <a:gd name="connsiteY3-134" fmla="*/ 191025 h 323756"/>
+                <a:gd name="connsiteX4-135" fmla="*/ 6986358 w 9915328"/>
+                <a:gd name="connsiteY4-136" fmla="*/ 525 h 323756"/>
+                <a:gd name="connsiteX5-137" fmla="*/ 8835990 w 9915328"/>
+                <a:gd name="connsiteY5-138" fmla="*/ 113414 h 323756"/>
+                <a:gd name="connsiteX6-139" fmla="*/ 9915328 w 9915328"/>
+                <a:gd name="connsiteY6-140" fmla="*/ 113414 h 323756"/>
+                <a:gd name="connsiteX0-141" fmla="*/ 0 w 9915328"/>
+                <a:gd name="connsiteY0-142" fmla="*/ 95979 h 261166"/>
+                <a:gd name="connsiteX1-143" fmla="*/ 633406 w 9915328"/>
+                <a:gd name="connsiteY1-144" fmla="*/ 208868 h 261166"/>
+                <a:gd name="connsiteX2-145" fmla="*/ 2340484 w 9915328"/>
+                <a:gd name="connsiteY2-146" fmla="*/ 258257 h 261166"/>
+                <a:gd name="connsiteX3-147" fmla="*/ 5270277 w 9915328"/>
+                <a:gd name="connsiteY3-148" fmla="*/ 128435 h 261166"/>
+                <a:gd name="connsiteX4-149" fmla="*/ 8835990 w 9915328"/>
+                <a:gd name="connsiteY4-150" fmla="*/ 50824 h 261166"/>
+                <a:gd name="connsiteX5-151" fmla="*/ 9915328 w 9915328"/>
+                <a:gd name="connsiteY5-152" fmla="*/ 50824 h 261166"/>
+                <a:gd name="connsiteX0-153" fmla="*/ 0 w 9915328"/>
+                <a:gd name="connsiteY0-154" fmla="*/ 201048 h 366235"/>
+                <a:gd name="connsiteX1-155" fmla="*/ 633406 w 9915328"/>
+                <a:gd name="connsiteY1-156" fmla="*/ 313937 h 366235"/>
+                <a:gd name="connsiteX2-157" fmla="*/ 2340484 w 9915328"/>
+                <a:gd name="connsiteY2-158" fmla="*/ 363326 h 366235"/>
+                <a:gd name="connsiteX3-159" fmla="*/ 5270277 w 9915328"/>
+                <a:gd name="connsiteY3-160" fmla="*/ 233504 h 366235"/>
+                <a:gd name="connsiteX4-161" fmla="*/ 7659714 w 9915328"/>
+                <a:gd name="connsiteY4-162" fmla="*/ 28893 h 366235"/>
+                <a:gd name="connsiteX5-163" fmla="*/ 9915328 w 9915328"/>
+                <a:gd name="connsiteY5-164" fmla="*/ 155893 h 366235"/>
+                <a:gd name="connsiteX0-165" fmla="*/ 0 w 9915328"/>
+                <a:gd name="connsiteY0-166" fmla="*/ 173629 h 338816"/>
+                <a:gd name="connsiteX1-167" fmla="*/ 633406 w 9915328"/>
+                <a:gd name="connsiteY1-168" fmla="*/ 286518 h 338816"/>
+                <a:gd name="connsiteX2-169" fmla="*/ 2340484 w 9915328"/>
+                <a:gd name="connsiteY2-170" fmla="*/ 335907 h 338816"/>
+                <a:gd name="connsiteX3-171" fmla="*/ 5270277 w 9915328"/>
+                <a:gd name="connsiteY3-172" fmla="*/ 206085 h 338816"/>
+                <a:gd name="connsiteX4-173" fmla="*/ 7659714 w 9915328"/>
+                <a:gd name="connsiteY4-174" fmla="*/ 1474 h 338816"/>
+                <a:gd name="connsiteX5-175" fmla="*/ 9915328 w 9915328"/>
+                <a:gd name="connsiteY5-176" fmla="*/ 128474 h 338816"/>
+                <a:gd name="connsiteX0-177" fmla="*/ 0 w 10190302"/>
+                <a:gd name="connsiteY0-178" fmla="*/ 174097 h 339284"/>
+                <a:gd name="connsiteX1-179" fmla="*/ 633406 w 10190302"/>
+                <a:gd name="connsiteY1-180" fmla="*/ 286986 h 339284"/>
+                <a:gd name="connsiteX2-181" fmla="*/ 2340484 w 10190302"/>
+                <a:gd name="connsiteY2-182" fmla="*/ 336375 h 339284"/>
+                <a:gd name="connsiteX3-183" fmla="*/ 5270277 w 10190302"/>
+                <a:gd name="connsiteY3-184" fmla="*/ 206553 h 339284"/>
+                <a:gd name="connsiteX4-185" fmla="*/ 7659714 w 10190302"/>
+                <a:gd name="connsiteY4-186" fmla="*/ 1942 h 339284"/>
+                <a:gd name="connsiteX5-187" fmla="*/ 10190302 w 10190302"/>
+                <a:gd name="connsiteY5-188" fmla="*/ 103542 h 339284"/>
+                <a:gd name="connsiteX0-189" fmla="*/ 0 w 10129197"/>
+                <a:gd name="connsiteY0-190" fmla="*/ 85197 h 340405"/>
+                <a:gd name="connsiteX1-191" fmla="*/ 572301 w 10129197"/>
+                <a:gd name="connsiteY1-192" fmla="*/ 286986 h 340405"/>
+                <a:gd name="connsiteX2-193" fmla="*/ 2279379 w 10129197"/>
+                <a:gd name="connsiteY2-194" fmla="*/ 336375 h 340405"/>
+                <a:gd name="connsiteX3-195" fmla="*/ 5209172 w 10129197"/>
+                <a:gd name="connsiteY3-196" fmla="*/ 206553 h 340405"/>
+                <a:gd name="connsiteX4-197" fmla="*/ 7598609 w 10129197"/>
+                <a:gd name="connsiteY4-198" fmla="*/ 1942 h 340405"/>
+                <a:gd name="connsiteX5-199" fmla="*/ 10129197 w 10129197"/>
+                <a:gd name="connsiteY5-200" fmla="*/ 103542 h 340405"/>
+                <a:gd name="connsiteX0-201" fmla="*/ 0 w 10129197"/>
+                <a:gd name="connsiteY0-202" fmla="*/ 85197 h 340405"/>
+                <a:gd name="connsiteX1-203" fmla="*/ 572301 w 10129197"/>
+                <a:gd name="connsiteY1-204" fmla="*/ 286986 h 340405"/>
+                <a:gd name="connsiteX2-205" fmla="*/ 2279379 w 10129197"/>
+                <a:gd name="connsiteY2-206" fmla="*/ 336375 h 340405"/>
+                <a:gd name="connsiteX3-207" fmla="*/ 5209172 w 10129197"/>
+                <a:gd name="connsiteY3-208" fmla="*/ 206553 h 340405"/>
+                <a:gd name="connsiteX4-209" fmla="*/ 7598609 w 10129197"/>
+                <a:gd name="connsiteY4-210" fmla="*/ 1942 h 340405"/>
+                <a:gd name="connsiteX5-211" fmla="*/ 10129197 w 10129197"/>
+                <a:gd name="connsiteY5-212" fmla="*/ 103542 h 340405"/>
+                <a:gd name="connsiteX0-213" fmla="*/ 0 w 10129197"/>
+                <a:gd name="connsiteY0-214" fmla="*/ 85197 h 339169"/>
+                <a:gd name="connsiteX1-215" fmla="*/ 2279379 w 10129197"/>
+                <a:gd name="connsiteY1-216" fmla="*/ 336375 h 339169"/>
+                <a:gd name="connsiteX2-217" fmla="*/ 5209172 w 10129197"/>
+                <a:gd name="connsiteY2-218" fmla="*/ 206553 h 339169"/>
+                <a:gd name="connsiteX3-219" fmla="*/ 7598609 w 10129197"/>
+                <a:gd name="connsiteY3-220" fmla="*/ 1942 h 339169"/>
+                <a:gd name="connsiteX4-221" fmla="*/ 10129197 w 10129197"/>
+                <a:gd name="connsiteY4-222" fmla="*/ 103542 h 339169"/>
+                <a:gd name="connsiteX0-223" fmla="*/ 0 w 10129197"/>
+                <a:gd name="connsiteY0-224" fmla="*/ 85197 h 339169"/>
+                <a:gd name="connsiteX1-225" fmla="*/ 2279379 w 10129197"/>
+                <a:gd name="connsiteY1-226" fmla="*/ 336375 h 339169"/>
+                <a:gd name="connsiteX2-227" fmla="*/ 5209172 w 10129197"/>
+                <a:gd name="connsiteY2-228" fmla="*/ 206553 h 339169"/>
+                <a:gd name="connsiteX3-229" fmla="*/ 7598609 w 10129197"/>
+                <a:gd name="connsiteY3-230" fmla="*/ 1942 h 339169"/>
+                <a:gd name="connsiteX4-231" fmla="*/ 10129197 w 10129197"/>
+                <a:gd name="connsiteY4-232" fmla="*/ 103542 h 339169"/>
+                <a:gd name="connsiteX0-233" fmla="*/ 0 w 10129197"/>
+                <a:gd name="connsiteY0-234" fmla="*/ 118179 h 372151"/>
+                <a:gd name="connsiteX1-235" fmla="*/ 2279379 w 10129197"/>
+                <a:gd name="connsiteY1-236" fmla="*/ 369357 h 372151"/>
+                <a:gd name="connsiteX2-237" fmla="*/ 5209172 w 10129197"/>
+                <a:gd name="connsiteY2-238" fmla="*/ 239535 h 372151"/>
+                <a:gd name="connsiteX3-239" fmla="*/ 7598609 w 10129197"/>
+                <a:gd name="connsiteY3-240" fmla="*/ 34924 h 372151"/>
+                <a:gd name="connsiteX4-241" fmla="*/ 10129197 w 10129197"/>
+                <a:gd name="connsiteY4-242" fmla="*/ 9524 h 372151"/>
+                <a:gd name="connsiteX0-243" fmla="*/ 0 w 10129197"/>
+                <a:gd name="connsiteY0-244" fmla="*/ 108656 h 362734"/>
+                <a:gd name="connsiteX1-245" fmla="*/ 2279379 w 10129197"/>
+                <a:gd name="connsiteY1-246" fmla="*/ 359834 h 362734"/>
+                <a:gd name="connsiteX2-247" fmla="*/ 5209172 w 10129197"/>
+                <a:gd name="connsiteY2-248" fmla="*/ 230012 h 362734"/>
+                <a:gd name="connsiteX3-249" fmla="*/ 10129197 w 10129197"/>
+                <a:gd name="connsiteY3-250" fmla="*/ 1 h 362734"/>
+                <a:gd name="connsiteX0-251" fmla="*/ 0 w 8153512"/>
+                <a:gd name="connsiteY0-252" fmla="*/ 149619 h 403884"/>
+                <a:gd name="connsiteX1-253" fmla="*/ 2279379 w 8153512"/>
+                <a:gd name="connsiteY1-254" fmla="*/ 400797 h 403884"/>
+                <a:gd name="connsiteX2-255" fmla="*/ 5209172 w 8153512"/>
+                <a:gd name="connsiteY2-256" fmla="*/ 270975 h 403884"/>
+                <a:gd name="connsiteX3-257" fmla="*/ 8153512 w 8153512"/>
+                <a:gd name="connsiteY3-258" fmla="*/ 0 h 403884"/>
+                <a:gd name="connsiteX0-259" fmla="*/ 0 w 8320471"/>
+                <a:gd name="connsiteY0-260" fmla="*/ 36968 h 290765"/>
+                <a:gd name="connsiteX1-261" fmla="*/ 2279379 w 8320471"/>
+                <a:gd name="connsiteY1-262" fmla="*/ 288146 h 290765"/>
+                <a:gd name="connsiteX2-263" fmla="*/ 5209172 w 8320471"/>
+                <a:gd name="connsiteY2-264" fmla="*/ 158324 h 290765"/>
+                <a:gd name="connsiteX3-265" fmla="*/ 8320471 w 8320471"/>
+                <a:gd name="connsiteY3-266" fmla="*/ 0 h 290765"/>
+                <a:gd name="connsiteX0-267" fmla="*/ 0 w 8320471"/>
+                <a:gd name="connsiteY0-268" fmla="*/ 36968 h 292812"/>
+                <a:gd name="connsiteX1-269" fmla="*/ 2279379 w 8320471"/>
+                <a:gd name="connsiteY1-270" fmla="*/ 288146 h 292812"/>
+                <a:gd name="connsiteX2-271" fmla="*/ 8320471 w 8320471"/>
+                <a:gd name="connsiteY2-272" fmla="*/ 0 h 292812"/>
+                <a:gd name="connsiteX0-273" fmla="*/ 0 w 8320471"/>
+                <a:gd name="connsiteY0-274" fmla="*/ 36968 h 284234"/>
+                <a:gd name="connsiteX1-275" fmla="*/ 2752431 w 8320471"/>
+                <a:gd name="connsiteY1-276" fmla="*/ 277905 h 284234"/>
+                <a:gd name="connsiteX2-277" fmla="*/ 8320471 w 8320471"/>
+                <a:gd name="connsiteY2-278" fmla="*/ 0 h 284234"/>
+                <a:gd name="connsiteX0-279" fmla="*/ 0 w 8306558"/>
+                <a:gd name="connsiteY0-280" fmla="*/ 47209 h 295214"/>
+                <a:gd name="connsiteX1-281" fmla="*/ 2752431 w 8306558"/>
+                <a:gd name="connsiteY1-282" fmla="*/ 288146 h 295214"/>
+                <a:gd name="connsiteX2-283" fmla="*/ 8306558 w 8306558"/>
+                <a:gd name="connsiteY2-284" fmla="*/ 0 h 295214"/>
+                <a:gd name="connsiteX0-285" fmla="*/ 0 w 8306558"/>
+                <a:gd name="connsiteY0-286" fmla="*/ 47209 h 295214"/>
+                <a:gd name="connsiteX1-287" fmla="*/ 2752431 w 8306558"/>
+                <a:gd name="connsiteY1-288" fmla="*/ 288146 h 295214"/>
+                <a:gd name="connsiteX2-289" fmla="*/ 8306558 w 8306558"/>
+                <a:gd name="connsiteY2-290" fmla="*/ 0 h 295214"/>
+                <a:gd name="connsiteX0-291" fmla="*/ 0 w 7847420"/>
+                <a:gd name="connsiteY0-292" fmla="*/ 36968 h 284234"/>
+                <a:gd name="connsiteX1-293" fmla="*/ 2752431 w 7847420"/>
+                <a:gd name="connsiteY1-294" fmla="*/ 277905 h 284234"/>
+                <a:gd name="connsiteX2-295" fmla="*/ 7847420 w 7847420"/>
+                <a:gd name="connsiteY2-296" fmla="*/ 0 h 284234"/>
+              </a:gdLst>
+              <a:ahLst/>
+              <a:cxnLst>
+                <a:cxn ang="0">
+                  <a:pos x="connsiteX0-1" y="connsiteY0-2"/>
+                </a:cxn>
+                <a:cxn ang="0">
+                  <a:pos x="connsiteX1-3" y="connsiteY1-4"/>
+                </a:cxn>
+                <a:cxn ang="0">
+                  <a:pos x="connsiteX2-5" y="connsiteY2-6"/>
+                </a:cxn>
+              </a:cxnLst>
+              <a:rect l="l" t="t" r="r" b="b"/>
+              <a:pathLst>
+                <a:path w="7847420" h="284234">
+                  <a:moveTo>
+                    <a:pt x="0" y="36968"/>
+                  </a:moveTo>
+                  <a:cubicBezTo>
+                    <a:pt x="245726" y="330597"/>
+                    <a:pt x="1444528" y="284066"/>
+                    <a:pt x="2752431" y="277905"/>
+                  </a:cubicBezTo>
+                  <a:cubicBezTo>
+                    <a:pt x="4060334" y="271744"/>
+                    <a:pt x="6588860" y="131718"/>
+                    <a:pt x="7847420" y="0"/>
+                  </a:cubicBezTo>
+                </a:path>
+              </a:pathLst>
+            </a:custGeom>
+            <a:noFill/>
+            <a:ln>
+              <a:solidFill>
+                <a:schemeClr val="tx1">
+                  <a:lumMod val="65000"/>
+                  <a:lumOff val="35000"/>
+                </a:schemeClr>
+              </a:solidFill>
+              <a:prstDash val="dash"/>
+            </a:ln>
+          </p:spPr>
+          <p:style>
+            <a:lnRef idx="2">
+              <a:schemeClr val="accent1">
+                <a:shade val="50000"/>
+              </a:schemeClr>
+            </a:lnRef>
+            <a:fillRef idx="1">
+              <a:schemeClr val="accent1"/>
+            </a:fillRef>
+            <a:effectRef idx="0">
+              <a:schemeClr val="accent1"/>
+            </a:effectRef>
+            <a:fontRef idx="minor">
+              <a:schemeClr val="lt1"/>
+            </a:fontRef>
+          </p:style>
+          <p:txBody>
+            <a:bodyPr anchor="ctr"/>
+            <a:lstStyle>
+              <a:defPPr>
+                <a:defRPr lang="zh-CN"/>
+              </a:defPPr>
+              <a:lvl1pPr algn="l" rtl="0" eaLnBrk="0" fontAlgn="base" hangingPunct="0">
+                <a:spcBef>
+                  <a:spcPct val="0"/>
+                </a:spcBef>
+                <a:spcAft>
+                  <a:spcPct val="0"/>
+                </a:spcAft>
+                <a:defRPr kern="1200">
+                  <a:solidFill>
+                    <a:schemeClr val="lt1"/>
+                  </a:solidFill>
+                  <a:latin typeface="+mn-lt"/>
+                  <a:ea typeface="+mn-ea"/>
+                  <a:cs typeface="+mn-cs"/>
+                </a:defRPr>
+              </a:lvl1pPr>
+              <a:lvl2pPr marL="457200" algn="l" rtl="0" eaLnBrk="0" fontAlgn="base" hangingPunct="0">
+                <a:spcBef>
+                  <a:spcPct val="0"/>
+                </a:spcBef>
+                <a:spcAft>
+                  <a:spcPct val="0"/>
+                </a:spcAft>
+                <a:defRPr kern="1200">
+                  <a:solidFill>
+                    <a:schemeClr val="lt1"/>
+                  </a:solidFill>
+                  <a:latin typeface="+mn-lt"/>
+                  <a:ea typeface="+mn-ea"/>
+                  <a:cs typeface="+mn-cs"/>
+                </a:defRPr>
+              </a:lvl2pPr>
+              <a:lvl3pPr marL="914400" algn="l" rtl="0" eaLnBrk="0" fontAlgn="base" hangingPunct="0">
+                <a:spcBef>
+                  <a:spcPct val="0"/>
+                </a:spcBef>
+                <a:spcAft>
+                  <a:spcPct val="0"/>
+                </a:spcAft>
+                <a:defRPr kern="1200">
+                  <a:solidFill>
+                    <a:schemeClr val="lt1"/>
+                  </a:solidFill>
+                  <a:latin typeface="+mn-lt"/>
+                  <a:ea typeface="+mn-ea"/>
+                  <a:cs typeface="+mn-cs"/>
+                </a:defRPr>
+              </a:lvl3pPr>
+              <a:lvl4pPr marL="1371600" algn="l" rtl="0" eaLnBrk="0" fontAlgn="base" hangingPunct="0">
+                <a:spcBef>
+                  <a:spcPct val="0"/>
+                </a:spcBef>
+                <a:spcAft>
+                  <a:spcPct val="0"/>
+                </a:spcAft>
+                <a:defRPr kern="1200">
+                  <a:solidFill>
+                    <a:schemeClr val="lt1"/>
+                  </a:solidFill>
+                  <a:latin typeface="+mn-lt"/>
+                  <a:ea typeface="+mn-ea"/>
+                  <a:cs typeface="+mn-cs"/>
+                </a:defRPr>
+              </a:lvl4pPr>
+              <a:lvl5pPr marL="1828800" algn="l" rtl="0" eaLnBrk="0" fontAlgn="base" hangingPunct="0">
+                <a:spcBef>
+                  <a:spcPct val="0"/>
+                </a:spcBef>
+                <a:spcAft>
+                  <a:spcPct val="0"/>
+                </a:spcAft>
+                <a:defRPr kern="1200">
+                  <a:solidFill>
+                    <a:schemeClr val="lt1"/>
+                  </a:solidFill>
+                  <a:latin typeface="+mn-lt"/>
+                  <a:ea typeface="+mn-ea"/>
+                  <a:cs typeface="+mn-cs"/>
+                </a:defRPr>
+              </a:lvl5pPr>
+              <a:lvl6pPr marL="2286000" algn="l" defTabSz="914400" rtl="0" eaLnBrk="1" latinLnBrk="0" hangingPunct="1">
+                <a:defRPr kern="1200">
+                  <a:solidFill>
+                    <a:schemeClr val="lt1"/>
+                  </a:solidFill>
+                  <a:latin typeface="+mn-lt"/>
+                  <a:ea typeface="+mn-ea"/>
+                  <a:cs typeface="+mn-cs"/>
+                </a:defRPr>
+              </a:lvl6pPr>
+              <a:lvl7pPr marL="2743200" algn="l" defTabSz="914400" rtl="0" eaLnBrk="1" latinLnBrk="0" hangingPunct="1">
+                <a:defRPr kern="1200">
+                  <a:solidFill>
+                    <a:schemeClr val="lt1"/>
+                  </a:solidFill>
+                  <a:latin typeface="+mn-lt"/>
+                  <a:ea typeface="+mn-ea"/>
+                  <a:cs typeface="+mn-cs"/>
+                </a:defRPr>
+              </a:lvl7pPr>
+              <a:lvl8pPr marL="3200400" algn="l" defTabSz="914400" rtl="0" eaLnBrk="1" latinLnBrk="0" hangingPunct="1">
+                <a:defRPr kern="1200">
+                  <a:solidFill>
+                    <a:schemeClr val="lt1"/>
+                  </a:solidFill>
+                  <a:latin typeface="+mn-lt"/>
+                  <a:ea typeface="+mn-ea"/>
+                  <a:cs typeface="+mn-cs"/>
+                </a:defRPr>
+              </a:lvl8pPr>
+              <a:lvl9pPr marL="3657600" algn="l" defTabSz="914400" rtl="0" eaLnBrk="1" latinLnBrk="0" hangingPunct="1">
+                <a:defRPr kern="1200">
+                  <a:solidFill>
+                    <a:schemeClr val="lt1"/>
+                  </a:solidFill>
+                  <a:latin typeface="+mn-lt"/>
+                  <a:ea typeface="+mn-ea"/>
+                  <a:cs typeface="+mn-cs"/>
+                </a:defRPr>
+              </a:lvl9pPr>
+            </a:lstStyle>
+            <a:p>
+              <a:pPr algn="ctr" fontAlgn="auto">
+                <a:defRPr/>
+              </a:pPr>
+              <a:endParaRPr lang="zh-CN" altLang="en-US" noProof="1"/>
+            </a:p>
+          </p:txBody>
+        </p:sp>
+        <p:pic>
+          <p:nvPicPr>
+            <p:cNvPr id="9225" name="图片 7"/>
+            <p:cNvPicPr>
+              <a:picLocks noChangeAspect="1" noChangeArrowheads="1"/>
+            </p:cNvPicPr>
+            <p:nvPr/>
+          </p:nvPicPr>
+          <p:blipFill>
+            <a:blip r:embed="rId3">
+              <a:extLst>
+                <a:ext uri="{28A0092B-C50C-407E-A947-70E740481C1C}">
+                  <a14:useLocalDpi xmlns:a14="http://schemas.microsoft.com/office/drawing/2010/main" val="0"/>
+                </a:ext>
+              </a:extLst>
+            </a:blip>
+            <a:srcRect/>
+            <a:stretch>
+              <a:fillRect/>
+            </a:stretch>
+          </p:blipFill>
+          <p:spPr bwMode="auto">
+            <a:xfrm>
+              <a:off x="230895" y="130347"/>
+              <a:ext cx="1335140" cy="963251"/>
+            </a:xfrm>
+            <a:prstGeom prst="rect">
+              <a:avLst/>
+            </a:prstGeom>
+            <a:noFill/>
+            <a:ln>
+              <a:noFill/>
+            </a:ln>
+            <a:extLst>
+              <a:ext uri="{909E8E84-426E-40DD-AFC4-6F175D3DCCD1}">
+                <a14:hiddenFill xmlns:a14="http://schemas.microsoft.com/office/drawing/2010/main">
+                  <a:solidFill>
+                    <a:srgbClr val="FFFFFF"/>
+                  </a:solidFill>
+                </a14:hiddenFill>
+              </a:ext>
+              <a:ext uri="{91240B29-F687-4F45-9708-019B960494DF}">
+                <a14:hiddenLine xmlns:a14="http://schemas.microsoft.com/office/drawing/2010/main" w="9525">
+                  <a:solidFill>
+                    <a:srgbClr val="000000"/>
+                  </a:solidFill>
+                  <a:miter lim="800000"/>
+                  <a:headEnd/>
+                  <a:tailEnd/>
+                </a14:hiddenLine>
+              </a:ext>
+            </a:extLst>
+          </p:spPr>
+        </p:pic>
+      </p:grpSp>
+      <p:pic>
+        <p:nvPicPr>
+          <p:cNvPr id="9222" name="Picture 2"/>
+          <p:cNvPicPr>
+            <a:picLocks noChangeAspect="1" noChangeArrowheads="1"/>
+          </p:cNvPicPr>
+          <p:nvPr/>
+        </p:nvPicPr>
+        <p:blipFill>
+          <a:blip r:embed="rId4">
+            <a:extLst>
+              <a:ext uri="{28A0092B-C50C-407E-A947-70E740481C1C}">
+                <a14:useLocalDpi xmlns:a14="http://schemas.microsoft.com/office/drawing/2010/main" val="0"/>
+              </a:ext>
+            </a:extLst>
+          </a:blip>
+          <a:srcRect/>
+          <a:stretch>
+            <a:fillRect/>
+          </a:stretch>
+        </p:blipFill>
+        <p:spPr bwMode="auto">
+          <a:xfrm>
+            <a:off x="4624388" y="3254375"/>
+            <a:ext cx="3632200" cy="506413"/>
+          </a:xfrm>
+          <a:prstGeom prst="rect">
+            <a:avLst/>
+          </a:prstGeom>
+          <a:noFill/>
+          <a:ln>
+            <a:noFill/>
+          </a:ln>
+          <a:extLst>
+            <a:ext uri="{909E8E84-426E-40DD-AFC4-6F175D3DCCD1}">
+              <a14:hiddenFill xmlns:a14="http://schemas.microsoft.com/office/drawing/2010/main">
+                <a:solidFill>
+                  <a:srgbClr val="FFFFFF"/>
+                </a:solidFill>
+              </a14:hiddenFill>
+            </a:ext>
+            <a:ext uri="{91240B29-F687-4F45-9708-019B960494DF}">
+              <a14:hiddenLine xmlns:a14="http://schemas.microsoft.com/office/drawing/2010/main" w="9525">
+                <a:solidFill>
+                  <a:srgbClr val="000000"/>
+                </a:solidFill>
+                <a:miter lim="800000"/>
+                <a:headEnd/>
+                <a:tailEnd/>
+              </a14:hiddenLine>
+            </a:ext>
+          </a:extLst>
+        </p:spPr>
+      </p:pic>
+      <p:sp>
+        <p:nvSpPr>
+          <p:cNvPr id="9223" name="文本框 1"/>
+          <p:cNvSpPr txBox="1">
+            <a:spLocks noChangeArrowheads="1"/>
+          </p:cNvSpPr>
+          <p:nvPr/>
+        </p:nvSpPr>
+        <p:spPr bwMode="auto">
+          <a:xfrm>
+            <a:off x="4943475" y="3238500"/>
+            <a:ext cx="431800" cy="508000"/>
+          </a:xfrm>
+          <a:prstGeom prst="rect">
+            <a:avLst/>
+          </a:prstGeom>
+          <a:noFill/>
+          <a:ln>
+            <a:noFill/>
+          </a:ln>
+          <a:extLst>
+            <a:ext uri="{909E8E84-426E-40DD-AFC4-6F175D3DCCD1}">
+              <a14:hiddenFill xmlns:a14="http://schemas.microsoft.com/office/drawing/2010/main">
+                <a:solidFill>
+                  <a:srgbClr val="FFFFFF"/>
+                </a:solidFill>
+              </a14:hiddenFill>
+            </a:ext>
+            <a:ext uri="{91240B29-F687-4F45-9708-019B960494DF}">
+              <a14:hiddenLine xmlns:a14="http://schemas.microsoft.com/office/drawing/2010/main" w="9525">
+                <a:solidFill>
+                  <a:srgbClr val="000000"/>
+                </a:solidFill>
+                <a:miter lim="800000"/>
+                <a:headEnd/>
+                <a:tailEnd/>
+              </a14:hiddenLine>
+            </a:ext>
+          </a:extLst>
+        </p:spPr>
+        <p:txBody>
+          <a:bodyPr>
+            <a:spAutoFit/>
+          </a:bodyPr>
+          <a:lstStyle>
+            <a:lvl1pPr>
+              <a:defRPr sz="2800">
+                <a:solidFill>
+                  <a:schemeClr val="tx1"/>
+                </a:solidFill>
+                <a:latin typeface="等线" pitchFamily="2" charset="-122"/>
+                <a:ea typeface="等线" pitchFamily="2" charset="-122"/>
+              </a:defRPr>
+            </a:lvl1pPr>
+            <a:lvl2pPr marL="742950" indent="-285750">
+              <a:defRPr sz="2400">
+                <a:solidFill>
+                  <a:schemeClr val="tx1"/>
+                </a:solidFill>
+                <a:latin typeface="等线" pitchFamily="2" charset="-122"/>
+                <a:ea typeface="等线" pitchFamily="2" charset="-122"/>
+              </a:defRPr>
+            </a:lvl2pPr>
+            <a:lvl3pPr>
+              <a:defRPr sz="2000">
+                <a:solidFill>
+                  <a:schemeClr val="tx1"/>
+                </a:solidFill>
+                <a:latin typeface="等线" pitchFamily="2" charset="-122"/>
+                <a:ea typeface="等线" pitchFamily="2" charset="-122"/>
+              </a:defRPr>
+            </a:lvl3pPr>
+            <a:lvl4pPr>
+              <a:defRPr>
+                <a:solidFill>
+                  <a:schemeClr val="tx1"/>
+                </a:solidFill>
+                <a:latin typeface="等线" pitchFamily="2" charset="-122"/>
+                <a:ea typeface="等线" pitchFamily="2" charset="-122"/>
+              </a:defRPr>
+            </a:lvl4pPr>
+            <a:lvl5pPr>
+              <a:defRPr>
+                <a:solidFill>
+                  <a:schemeClr val="tx1"/>
+                </a:solidFill>
+                <a:latin typeface="等线" pitchFamily="2" charset="-122"/>
+                <a:ea typeface="等线" pitchFamily="2" charset="-122"/>
+              </a:defRPr>
+            </a:lvl5pPr>
+            <a:lvl6pPr eaLnBrk="0" fontAlgn="base" hangingPunct="0">
+              <a:spcAft>
+                <a:spcPct val="0"/>
+              </a:spcAft>
+              <a:buFont typeface="Arial" charset="0"/>
+              <a:defRPr>
+                <a:solidFill>
+                  <a:schemeClr val="tx1"/>
+                </a:solidFill>
+                <a:latin typeface="等线" pitchFamily="2" charset="-122"/>
+                <a:ea typeface="等线" pitchFamily="2" charset="-122"/>
+              </a:defRPr>
+            </a:lvl6pPr>
+            <a:lvl7pPr eaLnBrk="0" fontAlgn="base" hangingPunct="0">
+              <a:spcAft>
+                <a:spcPct val="0"/>
+              </a:spcAft>
+              <a:buFont typeface="Arial" charset="0"/>
+              <a:defRPr>
+                <a:solidFill>
+                  <a:schemeClr val="tx1"/>
+                </a:solidFill>
+                <a:latin typeface="等线" pitchFamily="2" charset="-122"/>
+                <a:ea typeface="等线" pitchFamily="2" charset="-122"/>
+              </a:defRPr>
+            </a:lvl7pPr>
+            <a:lvl8pPr eaLnBrk="0" fontAlgn="base" hangingPunct="0">
+              <a:spcAft>
+                <a:spcPct val="0"/>
+              </a:spcAft>
+              <a:buFont typeface="Arial" charset="0"/>
+              <a:defRPr>
+                <a:solidFill>
+                  <a:schemeClr val="tx1"/>
+                </a:solidFill>
+                <a:latin typeface="等线" pitchFamily="2" charset="-122"/>
+                <a:ea typeface="等线" pitchFamily="2" charset="-122"/>
+              </a:defRPr>
+            </a:lvl8pPr>
+            <a:lvl9pPr eaLnBrk="0" fontAlgn="base" hangingPunct="0">
+              <a:spcAft>
+                <a:spcPct val="0"/>
+              </a:spcAft>
+              <a:buFont typeface="Arial" charset="0"/>
+              <a:defRPr>
+                <a:solidFill>
+                  <a:schemeClr val="tx1"/>
+                </a:solidFill>
+                <a:latin typeface="等线" pitchFamily="2" charset="-122"/>
+                <a:ea typeface="等线" pitchFamily="2" charset="-122"/>
+              </a:defRPr>
+            </a:lvl9pPr>
+          </a:lstStyle>
+          <a:p>
+            <a:r>
+              <a:rPr lang="zh-CN" altLang="en-US" sz="2700" b="1">
+                <a:solidFill>
+                  <a:srgbClr val="6CBEBE"/>
+                </a:solidFill>
+                <a:latin typeface="宋体" pitchFamily="2" charset="-122"/>
+                <a:ea typeface="宋体" pitchFamily="2" charset="-122"/>
+              </a:rPr>
+              <a:t>二</a:t>
+            </a:r>
+          </a:p>
+        </p:txBody>
+      </p:sp>
+    </p:spTree>
+    <p:extLst>
+      <p:ext uri="{BB962C8B-B14F-4D97-AF65-F5344CB8AC3E}">
+        <p14:creationId xmlns:p14="http://schemas.microsoft.com/office/powerpoint/2010/main" val="109870083"/>
+      </p:ext>
+    </p:extLst>
+  </p:cSld>
+  <p:clrMapOvr>
+    <a:masterClrMapping/>
+  </p:clrMapOvr>
+  <p:transition spd="slow"/>
+  <p:timing>
+    <p:tnLst>
+      <p:par>
+        <p:cTn id="1" dur="indefinite" restart="never" nodeType="tmRoot"/>
+      </p:par>
+    </p:tnLst>
+  </p:timing>
+</p:sld>
+</file>
+
 <file path=ppt/theme/theme1.xml><?xml version="1.0" encoding="utf-8"?>
 <a:theme xmlns:a="http://schemas.openxmlformats.org/drawingml/2006/main" name="Office 主题​​">
   <a:themeElements>
@@ -5569,7 +8043,7 @@
   <a:extraClrSchemeLst/>
   <a:extLst>
     <a:ext uri="{05A4C25C-085E-4340-85A3-A5531E510DB2}">
-      <thm15:themeFamily xmlns="" xmlns:thm15="http://schemas.microsoft.com/office/thememl/2012/main" name="Office Theme" id="{62F939B6-93AF-4DB8-9C6B-D6C7DFDC589F}" vid="{4A3C46E8-61CC-4603-A589-7422A47A8E4A}"/>
+      <thm15:themeFamily xmlns:thm15="http://schemas.microsoft.com/office/thememl/2012/main" xmlns="" name="Office Theme" id="{62F939B6-93AF-4DB8-9C6B-D6C7DFDC589F}" vid="{4A3C46E8-61CC-4603-A589-7422A47A8E4A}"/>
     </a:ext>
   </a:extLst>
 </a:theme>
@@ -5830,7 +8304,7 @@
   <a:extraClrSchemeLst/>
   <a:extLst>
     <a:ext uri="{05A4C25C-085E-4340-85A3-A5531E510DB2}">
-      <thm15:themeFamily xmlns="" xmlns:thm15="http://schemas.microsoft.com/office/thememl/2012/main" name="Office Theme" id="{62F939B6-93AF-4DB8-9C6B-D6C7DFDC589F}" vid="{4A3C46E8-61CC-4603-A589-7422A47A8E4A}"/>
+      <thm15:themeFamily xmlns:thm15="http://schemas.microsoft.com/office/thememl/2012/main" xmlns="" name="Office Theme" id="{62F939B6-93AF-4DB8-9C6B-D6C7DFDC589F}" vid="{4A3C46E8-61CC-4603-A589-7422A47A8E4A}"/>
     </a:ext>
   </a:extLst>
 </a:theme>
